--- a/数据结构+算法/2022秋季-计算机基础与程序设计-数据结构-算法.pptx
+++ b/数据结构+算法/2022秋季-计算机基础与程序设计-数据结构-算法.pptx
@@ -146,7 +146,7 @@
       </a:defRPr>
     </a:lvl9pPr>
   </p:defaultTextStyle>
-  <p:modifyVerifier cryptProviderType="rsaFull" cryptAlgorithmClass="hash" cryptAlgorithmType="typeAny" cryptAlgorithmSid="4" spinCount="100000" saltData="qdvivadaKx2Yv6vf6pEOiQ==" hashData="OEAqFPYfVrJ+h3wZEZE41xxsiuQ="/>
+  <p:modifyVerifier cryptProviderType="rsaFull" cryptAlgorithmClass="hash" cryptAlgorithmType="typeAny" cryptAlgorithmSid="4" spinCount="100000" saltData="0tVGDHKC/ikcGTyLaYvjZw==" hashData="qW/OqoUmPFnGIhbL7s6Xj7yEGjM="/>
 </p:presentation>
 </file>
 
@@ -3846,7 +3846,7 @@
               <a:rPr lang="zh-CN" altLang="en-US" sz="2800">
                 <a:sym typeface="+mn-ea"/>
               </a:rPr>
-              <a:t>如果在树BST中找到X，说明要插入的元素已存在，可放弃插入操作</a:t>
+              <a:t>如果在树中找到X，说明要插入的元素已存在，可放弃插入操作</a:t>
             </a:r>
             <a:endParaRPr lang="zh-CN" altLang="en-US" sz="2800"/>
           </a:p>
@@ -8089,7 +8089,7 @@
           <a:p>
             <a:r>
               <a:rPr lang="zh-CN" altLang="en-US"/>
-              <a:t>输出二叉检索树中的数据</a:t>
+              <a:t>输出二叉树中的数据</a:t>
             </a:r>
             <a:endParaRPr lang="zh-CN" altLang="en-US"/>
           </a:p>
@@ -29862,9 +29862,33 @@
             <a:endParaRPr lang="zh-CN" altLang="en-US"/>
           </a:p>
           <a:p>
+            <a:pPr lvl="1"/>
+            <a:r>
+              <a:rPr lang="zh-CN" altLang="en-US"/>
+              <a:t>库文件名都是以lib开头的，静态库以.a作为后缀，表示Archive</a:t>
+            </a:r>
+            <a:endParaRPr lang="zh-CN" altLang="en-US"/>
+          </a:p>
+          <a:p>
             <a:r>
               <a:rPr lang="zh-CN" altLang="en-US"/>
               <a:t>ar rs libmymath.a add.o sub.o mult.o</a:t>
+            </a:r>
+            <a:endParaRPr lang="zh-CN" altLang="en-US"/>
+          </a:p>
+          <a:p>
+            <a:pPr lvl="1"/>
+            <a:r>
+              <a:rPr lang="zh-CN" altLang="en-US"/>
+              <a:t>ar命令类似于tar命令，起一个打包的作用</a:t>
+            </a:r>
+            <a:endParaRPr lang="zh-CN" altLang="en-US" sz="2400"/>
+          </a:p>
+          <a:p>
+            <a:pPr lvl="1"/>
+            <a:r>
+              <a:rPr lang="zh-CN" altLang="en-US"/>
+              <a:t>选项r表示将后面的文件列表添加到文件包，s是专用于生成静态库的</a:t>
             </a:r>
             <a:endParaRPr lang="zh-CN" altLang="en-US"/>
           </a:p>

--- a/数据结构+算法/2022秋季-计算机基础与程序设计-数据结构-算法.pptx
+++ b/数据结构+算法/2022秋季-计算机基础与程序设计-数据结构-算法.pptx
@@ -8,7 +8,7 @@
     <p:notesMasterId r:id="rId4"/>
   </p:notesMasterIdLst>
   <p:handoutMasterIdLst>
-    <p:handoutMasterId r:id="rId41"/>
+    <p:handoutMasterId r:id="rId42"/>
   </p:handoutMasterIdLst>
   <p:sldIdLst>
     <p:sldId id="256" r:id="rId3"/>
@@ -39,15 +39,16 @@
     <p:sldId id="467" r:id="rId29"/>
     <p:sldId id="468" r:id="rId30"/>
     <p:sldId id="469" r:id="rId31"/>
-    <p:sldId id="470" r:id="rId32"/>
-    <p:sldId id="471" r:id="rId33"/>
-    <p:sldId id="472" r:id="rId34"/>
-    <p:sldId id="473" r:id="rId35"/>
-    <p:sldId id="474" r:id="rId36"/>
-    <p:sldId id="475" r:id="rId37"/>
-    <p:sldId id="476" r:id="rId38"/>
-    <p:sldId id="477" r:id="rId39"/>
-    <p:sldId id="478" r:id="rId40"/>
+    <p:sldId id="482" r:id="rId32"/>
+    <p:sldId id="470" r:id="rId33"/>
+    <p:sldId id="471" r:id="rId34"/>
+    <p:sldId id="472" r:id="rId35"/>
+    <p:sldId id="473" r:id="rId36"/>
+    <p:sldId id="474" r:id="rId37"/>
+    <p:sldId id="475" r:id="rId38"/>
+    <p:sldId id="476" r:id="rId39"/>
+    <p:sldId id="477" r:id="rId40"/>
+    <p:sldId id="478" r:id="rId41"/>
   </p:sldIdLst>
   <p:sldSz cx="12192000" cy="6858000"/>
   <p:notesSz cx="7103745" cy="10234295"/>
@@ -146,7 +147,7 @@
       </a:defRPr>
     </a:lvl9pPr>
   </p:defaultTextStyle>
-  <p:modifyVerifier cryptProviderType="rsaFull" cryptAlgorithmClass="hash" cryptAlgorithmType="typeAny" cryptAlgorithmSid="4" spinCount="100000" saltData="0tVGDHKC/ikcGTyLaYvjZw==" hashData="qW/OqoUmPFnGIhbL7s6Xj7yEGjM="/>
+  <p:modifyVerifier cryptProviderType="rsaFull" cryptAlgorithmClass="hash" cryptAlgorithmType="typeAny" cryptAlgorithmSid="4" spinCount="100000" saltData="D4jzCcWxKEMoWBjx/nLUwg==" hashData="7jvUHHo67i3ZpY/WHgHAW/wJZyA="/>
 </p:presentation>
 </file>
 
@@ -27922,7 +27923,7 @@
         <p:spPr>
           <a:xfrm>
             <a:off x="3042920" y="1313180"/>
-            <a:ext cx="7866380" cy="5262245"/>
+            <a:ext cx="7866380" cy="4892675"/>
           </a:xfrm>
           <a:prstGeom prst="rect">
             <a:avLst/>
@@ -27940,7 +27941,7 @@
                 <a:latin typeface="Arial Italic" panose="020B0604020202020204" charset="0"/>
                 <a:cs typeface="Arial Italic" panose="020B0604020202020204" charset="0"/>
               </a:rPr>
-              <a:t>/* sin example */</a:t>
+              <a:t>#include &lt;stdio.h&gt;</a:t>
             </a:r>
             <a:endParaRPr lang="zh-CN" altLang="en-US" sz="2400" i="1">
               <a:latin typeface="Arial Italic" panose="020B0604020202020204" charset="0"/>
@@ -27954,21 +27955,7 @@
                 <a:latin typeface="Arial Italic" panose="020B0604020202020204" charset="0"/>
                 <a:cs typeface="Arial Italic" panose="020B0604020202020204" charset="0"/>
               </a:rPr>
-              <a:t>#include &lt;stdio.h&gt;      /* printf */</a:t>
-            </a:r>
-            <a:endParaRPr lang="zh-CN" altLang="en-US" sz="2400" i="1">
-              <a:latin typeface="Arial Italic" panose="020B0604020202020204" charset="0"/>
-              <a:cs typeface="Arial Italic" panose="020B0604020202020204" charset="0"/>
-            </a:endParaRPr>
-          </a:p>
-          <a:p>
-            <a:pPr algn="l"/>
-            <a:r>
-              <a:rPr lang="zh-CN" altLang="en-US" sz="2400" i="1">
-                <a:latin typeface="Arial Italic" panose="020B0604020202020204" charset="0"/>
-                <a:cs typeface="Arial Italic" panose="020B0604020202020204" charset="0"/>
-              </a:rPr>
-              <a:t>#include &lt;math.h&gt;       /* sin */</a:t>
+              <a:t>#include &lt;math.h&gt;</a:t>
             </a:r>
             <a:endParaRPr lang="zh-CN" altLang="en-US" sz="2400" i="1">
               <a:latin typeface="Arial Italic" panose="020B0604020202020204" charset="0"/>
@@ -28313,7 +28300,7 @@
         <p:spPr>
           <a:xfrm>
             <a:off x="3335655" y="1353820"/>
-            <a:ext cx="8155940" cy="5262245"/>
+            <a:ext cx="8155940" cy="4892675"/>
           </a:xfrm>
           <a:prstGeom prst="rect">
             <a:avLst/>
@@ -28331,21 +28318,7 @@
                 <a:latin typeface="Arial Italic" panose="020B0604020202020204" charset="0"/>
                 <a:cs typeface="Arial Italic" panose="020B0604020202020204" charset="0"/>
               </a:rPr>
-              <a:t>/* atoi example */</a:t>
-            </a:r>
-            <a:endParaRPr lang="zh-CN" altLang="en-US" sz="2400" i="1">
-              <a:latin typeface="Arial Italic" panose="020B0604020202020204" charset="0"/>
-              <a:cs typeface="Arial Italic" panose="020B0604020202020204" charset="0"/>
-            </a:endParaRPr>
-          </a:p>
-          <a:p>
-            <a:pPr algn="l"/>
-            <a:r>
-              <a:rPr lang="zh-CN" altLang="en-US" sz="2400" i="1">
-                <a:latin typeface="Arial Italic" panose="020B0604020202020204" charset="0"/>
-                <a:cs typeface="Arial Italic" panose="020B0604020202020204" charset="0"/>
-              </a:rPr>
-              <a:t>#include &lt;stdio.h&gt;      /* printf, fgets */</a:t>
+              <a:t>#include &lt;stdio.h&gt;</a:t>
             </a:r>
             <a:endParaRPr lang="zh-CN" altLang="en-US" sz="2400" i="1">
               <a:latin typeface="Arial Italic" panose="020B0604020202020204" charset="0"/>
@@ -28695,7 +28668,7 @@
                 <a:latin typeface="Arial Italic" panose="020B0604020202020204" charset="0"/>
                 <a:cs typeface="Arial Italic" panose="020B0604020202020204" charset="0"/>
               </a:rPr>
-              <a:t>#include &lt;math.h&gt;  /* sqrt */</a:t>
+              <a:t>#include &lt;math.h&gt;</a:t>
             </a:r>
             <a:endParaRPr lang="zh-CN" altLang="en-US" sz="2400" i="1">
               <a:solidFill>
@@ -28715,7 +28688,7 @@
                 <a:latin typeface="Arial Italic" panose="020B0604020202020204" charset="0"/>
                 <a:cs typeface="Arial Italic" panose="020B0604020202020204" charset="0"/>
               </a:rPr>
-              <a:t>#include &lt;stdio.h&gt; /* printf */</a:t>
+              <a:t>#include &lt;stdio.h&gt;</a:t>
             </a:r>
             <a:endParaRPr lang="zh-CN" altLang="en-US" sz="2400" i="1">
               <a:solidFill>
@@ -29176,41 +29149,150 @@
           <a:p>
             <a:r>
               <a:rPr lang="zh-CN" altLang="en-US"/>
-              <a:t>静态链接库工作原理</a:t>
+              <a:t>编译链接</a:t>
+            </a:r>
+            <a:r>
+              <a:rPr lang="zh-CN" altLang="en-US"/>
+              <a:t>过程</a:t>
             </a:r>
             <a:endParaRPr lang="zh-CN" altLang="en-US"/>
           </a:p>
         </p:txBody>
       </p:sp>
+      <p:pic>
+        <p:nvPicPr>
+          <p:cNvPr id="4" name="图片 3"/>
+          <p:cNvPicPr>
+            <a:picLocks noChangeAspect="1"/>
+          </p:cNvPicPr>
+          <p:nvPr/>
+        </p:nvPicPr>
+        <p:blipFill>
+          <a:blip r:embed="rId1"/>
+          <a:srcRect/>
+          <a:stretch>
+            <a:fillRect/>
+          </a:stretch>
+        </p:blipFill>
+        <p:spPr>
+          <a:xfrm>
+            <a:off x="3166745" y="2057400"/>
+            <a:ext cx="5857875" cy="2743200"/>
+          </a:xfrm>
+          <a:prstGeom prst="rect">
+            <a:avLst/>
+          </a:prstGeom>
+        </p:spPr>
+      </p:pic>
       <p:sp>
         <p:nvSpPr>
-          <p:cNvPr id="3" name="内容占位符 2"/>
-          <p:cNvSpPr>
-            <a:spLocks noGrp="1"/>
-          </p:cNvSpPr>
-          <p:nvPr>
-            <p:ph idx="1"/>
-          </p:nvPr>
+          <p:cNvPr id="5" name="文本框 4"/>
+          <p:cNvSpPr txBox="1"/>
+          <p:nvPr/>
         </p:nvSpPr>
-        <p:spPr/>
+        <p:spPr>
+          <a:xfrm>
+            <a:off x="1167130" y="5168900"/>
+            <a:ext cx="9857740" cy="953135"/>
+          </a:xfrm>
+          <a:prstGeom prst="rect">
+            <a:avLst/>
+          </a:prstGeom>
+          <a:noFill/>
+        </p:spPr>
         <p:txBody>
-          <a:bodyPr/>
-          <a:p>
-            <a:r>
-              <a:rPr lang="zh-CN" altLang="en-US"/>
-              <a:t>使用 C 编写的应用程序时，通常有多个源码文件，但最终你需要编译成单个的可执行文件</a:t>
-            </a:r>
-            <a:endParaRPr lang="zh-CN" altLang="en-US"/>
-          </a:p>
-          <a:p>
-            <a:r>
-              <a:rPr lang="zh-CN" altLang="en-US"/>
-              <a:t>静态库是通过复制一个程序中的所有依赖库模块到最终的可执行镜像来创建的</a:t>
-            </a:r>
-            <a:endParaRPr lang="zh-CN" altLang="en-US"/>
+          <a:bodyPr wrap="square" rtlCol="0">
+            <a:spAutoFit/>
+          </a:bodyPr>
+          <a:p>
+            <a:pPr algn="l"/>
+            <a:r>
+              <a:rPr lang="zh-CN" altLang="en-US" sz="2800">
+                <a:latin typeface="Arial Regular" panose="020B0604020202020204" charset="0"/>
+                <a:ea typeface="黑体" charset="0"/>
+                <a:cs typeface="Arial Regular" panose="020B0604020202020204" charset="0"/>
+              </a:rPr>
+              <a:t>链接过程将多个目标文以及所需的库文件（</a:t>
+            </a:r>
+            <a:r>
+              <a:rPr lang="zh-CN" altLang="en-US" sz="2800">
+                <a:latin typeface="Arial Regular" panose="020B0604020202020204" charset="0"/>
+                <a:ea typeface="黑体" charset="0"/>
+                <a:cs typeface="Arial Regular" panose="020B0604020202020204" charset="0"/>
+                <a:sym typeface="+mn-ea"/>
+              </a:rPr>
+              <a:t>.so等</a:t>
+            </a:r>
+            <a:r>
+              <a:rPr lang="zh-CN" altLang="en-US" sz="2800">
+                <a:latin typeface="Arial Regular" panose="020B0604020202020204" charset="0"/>
+                <a:ea typeface="黑体" charset="0"/>
+                <a:cs typeface="Arial Regular" panose="020B0604020202020204" charset="0"/>
+              </a:rPr>
+              <a:t>）链接成最终的可执行文件（</a:t>
+            </a:r>
+            <a:r>
+              <a:rPr lang="zh-CN" altLang="en-US" sz="2800">
+                <a:latin typeface="Arial Regular" panose="020B0604020202020204" charset="0"/>
+                <a:ea typeface="黑体" charset="0"/>
+                <a:cs typeface="Arial Regular" panose="020B0604020202020204" charset="0"/>
+                <a:sym typeface="+mn-ea"/>
+              </a:rPr>
+              <a:t>executable file</a:t>
+            </a:r>
+            <a:r>
+              <a:rPr lang="zh-CN" altLang="en-US" sz="2800">
+                <a:latin typeface="Arial Regular" panose="020B0604020202020204" charset="0"/>
+                <a:ea typeface="黑体" charset="0"/>
+                <a:cs typeface="Arial Regular" panose="020B0604020202020204" charset="0"/>
+              </a:rPr>
+              <a:t>）</a:t>
+            </a:r>
+            <a:endParaRPr lang="zh-CN" altLang="en-US" sz="2800">
+              <a:latin typeface="Arial Regular" panose="020B0604020202020204" charset="0"/>
+              <a:ea typeface="黑体" charset="0"/>
+              <a:cs typeface="Arial Regular" panose="020B0604020202020204" charset="0"/>
+            </a:endParaRPr>
           </a:p>
         </p:txBody>
       </p:sp>
+      <p:cxnSp>
+        <p:nvCxnSpPr>
+          <p:cNvPr id="6" name="直接箭头连接符 5"/>
+          <p:cNvCxnSpPr/>
+          <p:nvPr/>
+        </p:nvCxnSpPr>
+        <p:spPr>
+          <a:xfrm flipH="1" flipV="1">
+            <a:off x="6757670" y="4319905"/>
+            <a:ext cx="1018540" cy="899795"/>
+          </a:xfrm>
+          <a:prstGeom prst="straightConnector1">
+            <a:avLst/>
+          </a:prstGeom>
+          <a:ln w="41275" cmpd="sng">
+            <a:solidFill>
+              <a:srgbClr val="202020"/>
+            </a:solidFill>
+            <a:prstDash val="solid"/>
+            <a:tailEnd type="arrow"/>
+          </a:ln>
+        </p:spPr>
+        <p:style>
+          <a:lnRef idx="1">
+            <a:schemeClr val="accent1"/>
+          </a:lnRef>
+          <a:fillRef idx="0">
+            <a:schemeClr val="accent1"/>
+          </a:fillRef>
+          <a:effectRef idx="0">
+            <a:schemeClr val="accent1"/>
+          </a:effectRef>
+          <a:fontRef idx="minor">
+            <a:schemeClr val="tx1"/>
+          </a:fontRef>
+        </p:style>
+      </p:cxnSp>
     </p:spTree>
   </p:cSld>
   <p:clrMapOvr>
@@ -29311,479 +29393,16 @@
           <a:p>
             <a:r>
               <a:rPr lang="zh-CN" altLang="en-US"/>
-              <a:t>4个文件：</a:t>
-            </a:r>
-            <a:endParaRPr lang="en-US" altLang="zh-CN"/>
-          </a:p>
-        </p:txBody>
-      </p:sp>
-      <p:sp>
-        <p:nvSpPr>
-          <p:cNvPr id="5" name="文本框 4"/>
-          <p:cNvSpPr txBox="1"/>
-          <p:nvPr/>
-        </p:nvSpPr>
-        <p:spPr>
-          <a:xfrm>
-            <a:off x="2259330" y="3517265"/>
-            <a:ext cx="3146425" cy="1814830"/>
-          </a:xfrm>
-          <a:prstGeom prst="rect">
-            <a:avLst/>
-          </a:prstGeom>
-          <a:noFill/>
-        </p:spPr>
-        <p:txBody>
-          <a:bodyPr wrap="none" rtlCol="0">
-            <a:spAutoFit/>
-          </a:bodyPr>
-          <a:p>
-            <a:pPr algn="l"/>
-            <a:r>
-              <a:rPr lang="zh-CN" altLang="en-US" sz="2800" i="1">
-                <a:solidFill>
-                  <a:srgbClr val="C00000"/>
-                </a:solidFill>
-                <a:latin typeface="Arial Italic" panose="020B0604020202020204" charset="0"/>
-                <a:cs typeface="Arial Italic" panose="020B0604020202020204" charset="0"/>
-              </a:rPr>
-              <a:t>// add.c</a:t>
-            </a:r>
-            <a:endParaRPr lang="zh-CN" altLang="en-US" sz="2800" i="1">
-              <a:solidFill>
-                <a:srgbClr val="C00000"/>
-              </a:solidFill>
-              <a:latin typeface="Arial Italic" panose="020B0604020202020204" charset="0"/>
-              <a:cs typeface="Arial Italic" panose="020B0604020202020204" charset="0"/>
-            </a:endParaRPr>
-          </a:p>
-          <a:p>
-            <a:pPr algn="l"/>
-            <a:r>
-              <a:rPr lang="zh-CN" altLang="en-US" sz="2800" i="1">
-                <a:solidFill>
-                  <a:srgbClr val="C00000"/>
-                </a:solidFill>
-                <a:latin typeface="Arial Italic" panose="020B0604020202020204" charset="0"/>
-                <a:cs typeface="Arial Italic" panose="020B0604020202020204" charset="0"/>
-              </a:rPr>
-              <a:t>int add(int a, int b){</a:t>
-            </a:r>
-            <a:endParaRPr lang="zh-CN" altLang="en-US" sz="2800" i="1">
-              <a:solidFill>
-                <a:srgbClr val="C00000"/>
-              </a:solidFill>
-              <a:latin typeface="Arial Italic" panose="020B0604020202020204" charset="0"/>
-              <a:cs typeface="Arial Italic" panose="020B0604020202020204" charset="0"/>
-            </a:endParaRPr>
-          </a:p>
-          <a:p>
-            <a:pPr algn="l"/>
-            <a:r>
-              <a:rPr lang="en-US" altLang="zh-CN" sz="2800" i="1">
-                <a:solidFill>
-                  <a:srgbClr val="C00000"/>
-                </a:solidFill>
-                <a:latin typeface="Arial Italic" panose="020B0604020202020204" charset="0"/>
-                <a:cs typeface="Arial Italic" panose="020B0604020202020204" charset="0"/>
-              </a:rPr>
-              <a:t>    </a:t>
-            </a:r>
-            <a:r>
-              <a:rPr lang="zh-CN" altLang="en-US" sz="2800" i="1">
-                <a:solidFill>
-                  <a:srgbClr val="C00000"/>
-                </a:solidFill>
-                <a:latin typeface="Arial Italic" panose="020B0604020202020204" charset="0"/>
-                <a:cs typeface="Arial Italic" panose="020B0604020202020204" charset="0"/>
-              </a:rPr>
-              <a:t>return (a+b);</a:t>
-            </a:r>
-            <a:endParaRPr lang="zh-CN" altLang="en-US" sz="2800" i="1">
-              <a:solidFill>
-                <a:srgbClr val="C00000"/>
-              </a:solidFill>
-              <a:latin typeface="Arial Italic" panose="020B0604020202020204" charset="0"/>
-              <a:cs typeface="Arial Italic" panose="020B0604020202020204" charset="0"/>
-            </a:endParaRPr>
-          </a:p>
-          <a:p>
-            <a:pPr algn="l"/>
-            <a:r>
-              <a:rPr lang="zh-CN" altLang="en-US" sz="2800" i="1">
-                <a:solidFill>
-                  <a:srgbClr val="C00000"/>
-                </a:solidFill>
-                <a:latin typeface="Arial Italic" panose="020B0604020202020204" charset="0"/>
-                <a:cs typeface="Arial Italic" panose="020B0604020202020204" charset="0"/>
-              </a:rPr>
-              <a:t>}</a:t>
-            </a:r>
-            <a:endParaRPr lang="zh-CN" altLang="en-US" sz="2800" i="1">
-              <a:solidFill>
-                <a:srgbClr val="C00000"/>
-              </a:solidFill>
-              <a:latin typeface="Arial Italic" panose="020B0604020202020204" charset="0"/>
-              <a:cs typeface="Arial Italic" panose="020B0604020202020204" charset="0"/>
-            </a:endParaRPr>
-          </a:p>
-        </p:txBody>
-      </p:sp>
-      <p:sp>
-        <p:nvSpPr>
-          <p:cNvPr id="6" name="文本框 5"/>
-          <p:cNvSpPr txBox="1"/>
-          <p:nvPr/>
-        </p:nvSpPr>
-        <p:spPr>
-          <a:xfrm>
-            <a:off x="3816350" y="1655445"/>
-            <a:ext cx="3126740" cy="1814830"/>
-          </a:xfrm>
-          <a:prstGeom prst="rect">
-            <a:avLst/>
-          </a:prstGeom>
-          <a:noFill/>
-        </p:spPr>
-        <p:txBody>
-          <a:bodyPr wrap="none" rtlCol="0">
-            <a:spAutoFit/>
-          </a:bodyPr>
-          <a:p>
-            <a:pPr algn="l"/>
-            <a:r>
-              <a:rPr lang="zh-CN" altLang="en-US" sz="2800" i="1">
-                <a:solidFill>
-                  <a:srgbClr val="0070C0"/>
-                </a:solidFill>
-                <a:latin typeface="Arial Italic" panose="020B0604020202020204" charset="0"/>
-                <a:cs typeface="Arial Italic" panose="020B0604020202020204" charset="0"/>
-              </a:rPr>
-              <a:t>//</a:t>
-            </a:r>
-            <a:r>
-              <a:rPr lang="en-US" altLang="zh-CN" sz="2800" i="1">
-                <a:solidFill>
-                  <a:srgbClr val="0070C0"/>
-                </a:solidFill>
-                <a:latin typeface="Arial Italic" panose="020B0604020202020204" charset="0"/>
-                <a:cs typeface="Arial Italic" panose="020B0604020202020204" charset="0"/>
-              </a:rPr>
-              <a:t> </a:t>
-            </a:r>
-            <a:r>
-              <a:rPr lang="zh-CN" altLang="en-US" sz="2800" i="1">
-                <a:solidFill>
-                  <a:srgbClr val="0070C0"/>
-                </a:solidFill>
-                <a:latin typeface="Arial Italic" panose="020B0604020202020204" charset="0"/>
-                <a:cs typeface="Arial Italic" panose="020B0604020202020204" charset="0"/>
-              </a:rPr>
-              <a:t>sub.c</a:t>
-            </a:r>
-            <a:endParaRPr lang="zh-CN" altLang="en-US" sz="2800" i="1">
-              <a:solidFill>
-                <a:srgbClr val="0070C0"/>
-              </a:solidFill>
-              <a:latin typeface="Arial Italic" panose="020B0604020202020204" charset="0"/>
-              <a:cs typeface="Arial Italic" panose="020B0604020202020204" charset="0"/>
-            </a:endParaRPr>
-          </a:p>
-          <a:p>
-            <a:pPr algn="l"/>
-            <a:r>
-              <a:rPr lang="zh-CN" altLang="en-US" sz="2800" i="1">
-                <a:solidFill>
-                  <a:srgbClr val="0070C0"/>
-                </a:solidFill>
-                <a:latin typeface="Arial Italic" panose="020B0604020202020204" charset="0"/>
-                <a:cs typeface="Arial Italic" panose="020B0604020202020204" charset="0"/>
-              </a:rPr>
-              <a:t>int sub(int a, int b){</a:t>
-            </a:r>
-            <a:endParaRPr lang="zh-CN" altLang="en-US" sz="2800" i="1">
-              <a:solidFill>
-                <a:srgbClr val="0070C0"/>
-              </a:solidFill>
-              <a:latin typeface="Arial Italic" panose="020B0604020202020204" charset="0"/>
-              <a:cs typeface="Arial Italic" panose="020B0604020202020204" charset="0"/>
-            </a:endParaRPr>
-          </a:p>
-          <a:p>
-            <a:pPr algn="l"/>
-            <a:r>
-              <a:rPr lang="en-US" altLang="zh-CN" sz="2800" i="1">
-                <a:solidFill>
-                  <a:srgbClr val="0070C0"/>
-                </a:solidFill>
-                <a:latin typeface="Arial Italic" panose="020B0604020202020204" charset="0"/>
-                <a:cs typeface="Arial Italic" panose="020B0604020202020204" charset="0"/>
-              </a:rPr>
-              <a:t>    </a:t>
-            </a:r>
-            <a:r>
-              <a:rPr lang="zh-CN" altLang="en-US" sz="2800" i="1">
-                <a:solidFill>
-                  <a:srgbClr val="0070C0"/>
-                </a:solidFill>
-                <a:latin typeface="Arial Italic" panose="020B0604020202020204" charset="0"/>
-                <a:cs typeface="Arial Italic" panose="020B0604020202020204" charset="0"/>
-              </a:rPr>
-              <a:t>return (a-b);</a:t>
-            </a:r>
-            <a:endParaRPr lang="zh-CN" altLang="en-US" sz="2800" i="1">
-              <a:solidFill>
-                <a:srgbClr val="0070C0"/>
-              </a:solidFill>
-              <a:latin typeface="Arial Italic" panose="020B0604020202020204" charset="0"/>
-              <a:cs typeface="Arial Italic" panose="020B0604020202020204" charset="0"/>
-            </a:endParaRPr>
-          </a:p>
-          <a:p>
-            <a:pPr algn="l"/>
-            <a:r>
-              <a:rPr lang="zh-CN" altLang="en-US" sz="2800" i="1">
-                <a:solidFill>
-                  <a:srgbClr val="0070C0"/>
-                </a:solidFill>
-                <a:latin typeface="Arial Italic" panose="020B0604020202020204" charset="0"/>
-                <a:cs typeface="Arial Italic" panose="020B0604020202020204" charset="0"/>
-              </a:rPr>
-              <a:t>}</a:t>
-            </a:r>
-            <a:endParaRPr lang="zh-CN" altLang="en-US" sz="2800" i="1">
-              <a:solidFill>
-                <a:srgbClr val="0070C0"/>
-              </a:solidFill>
-              <a:latin typeface="Arial Italic" panose="020B0604020202020204" charset="0"/>
-              <a:cs typeface="Arial Italic" panose="020B0604020202020204" charset="0"/>
-            </a:endParaRPr>
-          </a:p>
-        </p:txBody>
-      </p:sp>
-      <p:sp>
-        <p:nvSpPr>
-          <p:cNvPr id="7" name="文本框 6"/>
-          <p:cNvSpPr txBox="1"/>
-          <p:nvPr/>
-        </p:nvSpPr>
-        <p:spPr>
-          <a:xfrm>
-            <a:off x="8289925" y="2409825"/>
-            <a:ext cx="3225165" cy="1814830"/>
-          </a:xfrm>
-          <a:prstGeom prst="rect">
-            <a:avLst/>
-          </a:prstGeom>
-          <a:noFill/>
-        </p:spPr>
-        <p:txBody>
-          <a:bodyPr wrap="none" rtlCol="0">
-            <a:spAutoFit/>
-          </a:bodyPr>
-          <a:p>
-            <a:pPr algn="l"/>
-            <a:r>
-              <a:rPr lang="zh-CN" altLang="en-US" sz="2800" i="1">
-                <a:solidFill>
-                  <a:srgbClr val="7030A0"/>
-                </a:solidFill>
-                <a:latin typeface="Arial Italic" panose="020B0604020202020204" charset="0"/>
-                <a:cs typeface="Arial Italic" panose="020B0604020202020204" charset="0"/>
-              </a:rPr>
-              <a:t>//</a:t>
-            </a:r>
-            <a:r>
-              <a:rPr lang="en-US" altLang="zh-CN" sz="2800" i="1">
-                <a:solidFill>
-                  <a:srgbClr val="7030A0"/>
-                </a:solidFill>
-                <a:latin typeface="Arial Italic" panose="020B0604020202020204" charset="0"/>
-                <a:cs typeface="Arial Italic" panose="020B0604020202020204" charset="0"/>
-              </a:rPr>
-              <a:t> </a:t>
-            </a:r>
-            <a:r>
-              <a:rPr lang="zh-CN" altLang="en-US" sz="2800" i="1">
-                <a:solidFill>
-                  <a:srgbClr val="7030A0"/>
-                </a:solidFill>
-                <a:latin typeface="Arial Italic" panose="020B0604020202020204" charset="0"/>
-                <a:cs typeface="Arial Italic" panose="020B0604020202020204" charset="0"/>
-              </a:rPr>
-              <a:t>mult.c</a:t>
-            </a:r>
-            <a:endParaRPr lang="zh-CN" altLang="en-US" sz="2800" i="1">
-              <a:solidFill>
-                <a:srgbClr val="7030A0"/>
-              </a:solidFill>
-              <a:latin typeface="Arial Italic" panose="020B0604020202020204" charset="0"/>
-              <a:cs typeface="Arial Italic" panose="020B0604020202020204" charset="0"/>
-            </a:endParaRPr>
-          </a:p>
-          <a:p>
-            <a:pPr algn="l"/>
-            <a:r>
-              <a:rPr lang="zh-CN" altLang="en-US" sz="2800" i="1">
-                <a:solidFill>
-                  <a:srgbClr val="7030A0"/>
-                </a:solidFill>
-                <a:latin typeface="Arial Italic" panose="020B0604020202020204" charset="0"/>
-                <a:cs typeface="Arial Italic" panose="020B0604020202020204" charset="0"/>
-              </a:rPr>
-              <a:t>int mult(int a, int b){</a:t>
-            </a:r>
-            <a:endParaRPr lang="zh-CN" altLang="en-US" sz="2800" i="1">
-              <a:solidFill>
-                <a:srgbClr val="7030A0"/>
-              </a:solidFill>
-              <a:latin typeface="Arial Italic" panose="020B0604020202020204" charset="0"/>
-              <a:cs typeface="Arial Italic" panose="020B0604020202020204" charset="0"/>
-            </a:endParaRPr>
-          </a:p>
-          <a:p>
-            <a:pPr algn="l"/>
-            <a:r>
-              <a:rPr lang="en-US" altLang="zh-CN" sz="2800" i="1">
-                <a:solidFill>
-                  <a:srgbClr val="7030A0"/>
-                </a:solidFill>
-                <a:latin typeface="Arial Italic" panose="020B0604020202020204" charset="0"/>
-                <a:cs typeface="Arial Italic" panose="020B0604020202020204" charset="0"/>
-              </a:rPr>
-              <a:t>    </a:t>
-            </a:r>
-            <a:r>
-              <a:rPr lang="zh-CN" altLang="en-US" sz="2800" i="1">
-                <a:solidFill>
-                  <a:srgbClr val="7030A0"/>
-                </a:solidFill>
-                <a:latin typeface="Arial Italic" panose="020B0604020202020204" charset="0"/>
-                <a:cs typeface="Arial Italic" panose="020B0604020202020204" charset="0"/>
-              </a:rPr>
-              <a:t>return (a*b);</a:t>
-            </a:r>
-            <a:endParaRPr lang="zh-CN" altLang="en-US" sz="2800" i="1">
-              <a:solidFill>
-                <a:srgbClr val="7030A0"/>
-              </a:solidFill>
-              <a:latin typeface="Arial Italic" panose="020B0604020202020204" charset="0"/>
-              <a:cs typeface="Arial Italic" panose="020B0604020202020204" charset="0"/>
-            </a:endParaRPr>
-          </a:p>
-          <a:p>
-            <a:pPr algn="l"/>
-            <a:r>
-              <a:rPr lang="zh-CN" altLang="en-US" sz="2800" i="1">
-                <a:solidFill>
-                  <a:srgbClr val="7030A0"/>
-                </a:solidFill>
-                <a:latin typeface="Arial Italic" panose="020B0604020202020204" charset="0"/>
-                <a:cs typeface="Arial Italic" panose="020B0604020202020204" charset="0"/>
-              </a:rPr>
-              <a:t>}</a:t>
-            </a:r>
-            <a:endParaRPr lang="zh-CN" altLang="en-US" sz="2800" i="1">
-              <a:solidFill>
-                <a:srgbClr val="7030A0"/>
-              </a:solidFill>
-              <a:latin typeface="Arial Italic" panose="020B0604020202020204" charset="0"/>
-              <a:cs typeface="Arial Italic" panose="020B0604020202020204" charset="0"/>
-            </a:endParaRPr>
-          </a:p>
-        </p:txBody>
-      </p:sp>
-      <p:sp>
-        <p:nvSpPr>
-          <p:cNvPr id="9" name="文本框 8"/>
-          <p:cNvSpPr txBox="1"/>
-          <p:nvPr/>
-        </p:nvSpPr>
-        <p:spPr>
-          <a:xfrm>
-            <a:off x="5654675" y="4410075"/>
-            <a:ext cx="3507740" cy="1814830"/>
-          </a:xfrm>
-          <a:prstGeom prst="rect">
-            <a:avLst/>
-          </a:prstGeom>
-          <a:noFill/>
-        </p:spPr>
-        <p:txBody>
-          <a:bodyPr wrap="none" rtlCol="0">
-            <a:spAutoFit/>
-          </a:bodyPr>
-          <a:p>
-            <a:pPr algn="l"/>
-            <a:r>
-              <a:rPr lang="en-US" altLang="zh-CN" sz="2800" i="1">
-                <a:solidFill>
-                  <a:srgbClr val="00B050"/>
-                </a:solidFill>
-              </a:rPr>
-              <a:t>// </a:t>
-            </a:r>
-            <a:r>
-              <a:rPr lang="zh-CN" altLang="en-US" sz="2800" i="1">
-                <a:solidFill>
-                  <a:srgbClr val="00B050"/>
-                </a:solidFill>
-              </a:rPr>
-              <a:t>头文件mymath.h：</a:t>
-            </a:r>
-            <a:endParaRPr lang="zh-CN" altLang="en-US" sz="2800" i="1">
-              <a:solidFill>
-                <a:srgbClr val="00B050"/>
-              </a:solidFill>
-            </a:endParaRPr>
-          </a:p>
-          <a:p>
-            <a:pPr algn="l"/>
-            <a:r>
-              <a:rPr lang="en-US" altLang="zh-CN" sz="2800" i="1">
-                <a:solidFill>
-                  <a:srgbClr val="00B050"/>
-                </a:solidFill>
-              </a:rPr>
-              <a:t>int add(int a, int b);</a:t>
-            </a:r>
-            <a:endParaRPr lang="en-US" altLang="zh-CN" sz="2800" i="1">
-              <a:solidFill>
-                <a:srgbClr val="00B050"/>
-              </a:solidFill>
-            </a:endParaRPr>
-          </a:p>
-          <a:p>
-            <a:pPr algn="l"/>
-            <a:r>
-              <a:rPr lang="en-US" altLang="zh-CN" sz="2800" i="1">
-                <a:solidFill>
-                  <a:srgbClr val="00B050"/>
-                </a:solidFill>
-              </a:rPr>
-              <a:t>int sub(int a, int b);</a:t>
-            </a:r>
-            <a:endParaRPr lang="en-US" altLang="zh-CN" sz="2800" i="1">
-              <a:solidFill>
-                <a:srgbClr val="00B050"/>
-              </a:solidFill>
-            </a:endParaRPr>
-          </a:p>
-          <a:p>
-            <a:pPr algn="l"/>
-            <a:r>
-              <a:rPr lang="en-US" altLang="zh-CN" sz="2800" i="1">
-                <a:solidFill>
-                  <a:srgbClr val="00B050"/>
-                </a:solidFill>
-              </a:rPr>
-              <a:t>int mult(int a, int b);</a:t>
-            </a:r>
-            <a:endParaRPr lang="en-US" altLang="zh-CN" sz="2800" i="1">
-              <a:solidFill>
-                <a:srgbClr val="00B050"/>
-              </a:solidFill>
-            </a:endParaRPr>
+              <a:t>使用 C 编写的应用程序时，通常有多个源码文件，但最终你需要编译成单个的可执行文件</a:t>
+            </a:r>
+            <a:endParaRPr lang="zh-CN" altLang="en-US"/>
+          </a:p>
+          <a:p>
+            <a:r>
+              <a:rPr lang="zh-CN" altLang="en-US"/>
+              <a:t>静态库是通过复制一个程序中的所有依赖库模块到最终的可执行镜像来创建的</a:t>
+            </a:r>
+            <a:endParaRPr lang="zh-CN" altLang="en-US"/>
           </a:p>
         </p:txBody>
       </p:sp>
@@ -29843,61 +29462,599 @@
           <a:p>
             <a:r>
               <a:rPr lang="zh-CN" altLang="en-US"/>
-              <a:t>使用 GCC 来生成目标文件 add.o 、sub.o 、mult.o</a:t>
-            </a:r>
-            <a:endParaRPr lang="zh-CN" altLang="en-US"/>
-          </a:p>
-          <a:p>
-            <a:r>
-              <a:rPr lang="zh-CN" altLang="en-US"/>
-              <a:t>gcc -c add.c sub.c mult.c</a:t>
-            </a:r>
-            <a:endParaRPr lang="zh-CN" altLang="en-US"/>
-          </a:p>
-          <a:p>
-            <a:r>
-              <a:rPr lang="zh-CN" altLang="en-US"/>
-              <a:t>创建一个名称为 libmymath.a 的静态库</a:t>
-            </a:r>
-            <a:endParaRPr lang="zh-CN" altLang="en-US"/>
-          </a:p>
-          <a:p>
-            <a:pPr lvl="1"/>
-            <a:r>
-              <a:rPr lang="zh-CN" altLang="en-US"/>
-              <a:t>库文件名都是以lib开头的，静态库以.a作为后缀，表示Archive</a:t>
-            </a:r>
-            <a:endParaRPr lang="zh-CN" altLang="en-US"/>
-          </a:p>
-          <a:p>
-            <a:r>
-              <a:rPr lang="zh-CN" altLang="en-US"/>
-              <a:t>ar rs libmymath.a add.o sub.o mult.o</a:t>
-            </a:r>
-            <a:endParaRPr lang="zh-CN" altLang="en-US"/>
-          </a:p>
-          <a:p>
-            <a:pPr lvl="1"/>
-            <a:r>
-              <a:rPr lang="zh-CN" altLang="en-US"/>
-              <a:t>ar命令类似于tar命令，起一个打包的作用</a:t>
-            </a:r>
-            <a:endParaRPr lang="zh-CN" altLang="en-US" sz="2400"/>
-          </a:p>
-          <a:p>
-            <a:pPr lvl="1"/>
-            <a:r>
-              <a:rPr lang="zh-CN" altLang="en-US"/>
-              <a:t>选项r表示将后面的文件列表添加到文件包，s是专用于生成静态库的</a:t>
-            </a:r>
-            <a:endParaRPr lang="zh-CN" altLang="en-US"/>
-          </a:p>
-          <a:p>
-            <a:r>
-              <a:rPr lang="zh-CN" altLang="en-US"/>
-              <a:t>现在，你已经创建了一个名称为 libmymath 的简单数学示例库，你可以在 C 代码中使用它</a:t>
-            </a:r>
-            <a:endParaRPr lang="zh-CN" altLang="en-US"/>
+              <a:t>4个文件：</a:t>
+            </a:r>
+            <a:endParaRPr lang="en-US" altLang="zh-CN"/>
+          </a:p>
+        </p:txBody>
+      </p:sp>
+      <p:sp>
+        <p:nvSpPr>
+          <p:cNvPr id="5" name="文本框 4"/>
+          <p:cNvSpPr txBox="1"/>
+          <p:nvPr/>
+        </p:nvSpPr>
+        <p:spPr>
+          <a:xfrm>
+            <a:off x="2259330" y="3517265"/>
+            <a:ext cx="3146425" cy="1814830"/>
+          </a:xfrm>
+          <a:prstGeom prst="rect">
+            <a:avLst/>
+          </a:prstGeom>
+          <a:noFill/>
+        </p:spPr>
+        <p:txBody>
+          <a:bodyPr wrap="none" rtlCol="0">
+            <a:spAutoFit/>
+          </a:bodyPr>
+          <a:p>
+            <a:pPr algn="l"/>
+            <a:r>
+              <a:rPr lang="zh-CN" altLang="en-US" sz="2800" i="1">
+                <a:solidFill>
+                  <a:srgbClr val="C00000"/>
+                </a:solidFill>
+                <a:latin typeface="Arial Italic" panose="020B0604020202020204" charset="0"/>
+                <a:cs typeface="Arial Italic" panose="020B0604020202020204" charset="0"/>
+              </a:rPr>
+              <a:t>// add.c</a:t>
+            </a:r>
+            <a:endParaRPr lang="zh-CN" altLang="en-US" sz="2800" i="1">
+              <a:solidFill>
+                <a:srgbClr val="C00000"/>
+              </a:solidFill>
+              <a:latin typeface="Arial Italic" panose="020B0604020202020204" charset="0"/>
+              <a:cs typeface="Arial Italic" panose="020B0604020202020204" charset="0"/>
+            </a:endParaRPr>
+          </a:p>
+          <a:p>
+            <a:pPr algn="l"/>
+            <a:r>
+              <a:rPr lang="zh-CN" altLang="en-US" sz="2800" i="1">
+                <a:solidFill>
+                  <a:srgbClr val="C00000"/>
+                </a:solidFill>
+                <a:latin typeface="Arial Italic" panose="020B0604020202020204" charset="0"/>
+                <a:cs typeface="Arial Italic" panose="020B0604020202020204" charset="0"/>
+              </a:rPr>
+              <a:t>int add(int a, int b){</a:t>
+            </a:r>
+            <a:endParaRPr lang="zh-CN" altLang="en-US" sz="2800" i="1">
+              <a:solidFill>
+                <a:srgbClr val="C00000"/>
+              </a:solidFill>
+              <a:latin typeface="Arial Italic" panose="020B0604020202020204" charset="0"/>
+              <a:cs typeface="Arial Italic" panose="020B0604020202020204" charset="0"/>
+            </a:endParaRPr>
+          </a:p>
+          <a:p>
+            <a:pPr algn="l"/>
+            <a:r>
+              <a:rPr lang="en-US" altLang="zh-CN" sz="2800" i="1">
+                <a:solidFill>
+                  <a:srgbClr val="C00000"/>
+                </a:solidFill>
+                <a:latin typeface="Arial Italic" panose="020B0604020202020204" charset="0"/>
+                <a:cs typeface="Arial Italic" panose="020B0604020202020204" charset="0"/>
+              </a:rPr>
+              <a:t>    </a:t>
+            </a:r>
+            <a:r>
+              <a:rPr lang="zh-CN" altLang="en-US" sz="2800" i="1">
+                <a:solidFill>
+                  <a:srgbClr val="C00000"/>
+                </a:solidFill>
+                <a:latin typeface="Arial Italic" panose="020B0604020202020204" charset="0"/>
+                <a:cs typeface="Arial Italic" panose="020B0604020202020204" charset="0"/>
+              </a:rPr>
+              <a:t>return a</a:t>
+            </a:r>
+            <a:r>
+              <a:rPr lang="en-US" altLang="zh-CN" sz="2800" i="1">
+                <a:solidFill>
+                  <a:srgbClr val="C00000"/>
+                </a:solidFill>
+                <a:latin typeface="Arial Italic" panose="020B0604020202020204" charset="0"/>
+                <a:cs typeface="Arial Italic" panose="020B0604020202020204" charset="0"/>
+              </a:rPr>
+              <a:t> </a:t>
+            </a:r>
+            <a:r>
+              <a:rPr lang="zh-CN" altLang="en-US" sz="2800" i="1">
+                <a:solidFill>
+                  <a:srgbClr val="C00000"/>
+                </a:solidFill>
+                <a:latin typeface="Arial Italic" panose="020B0604020202020204" charset="0"/>
+                <a:cs typeface="Arial Italic" panose="020B0604020202020204" charset="0"/>
+              </a:rPr>
+              <a:t>+</a:t>
+            </a:r>
+            <a:r>
+              <a:rPr lang="en-US" altLang="zh-CN" sz="2800" i="1">
+                <a:solidFill>
+                  <a:srgbClr val="C00000"/>
+                </a:solidFill>
+                <a:latin typeface="Arial Italic" panose="020B0604020202020204" charset="0"/>
+                <a:cs typeface="Arial Italic" panose="020B0604020202020204" charset="0"/>
+              </a:rPr>
+              <a:t> </a:t>
+            </a:r>
+            <a:r>
+              <a:rPr lang="zh-CN" altLang="en-US" sz="2800" i="1">
+                <a:solidFill>
+                  <a:srgbClr val="C00000"/>
+                </a:solidFill>
+                <a:latin typeface="Arial Italic" panose="020B0604020202020204" charset="0"/>
+                <a:cs typeface="Arial Italic" panose="020B0604020202020204" charset="0"/>
+              </a:rPr>
+              <a:t>b;</a:t>
+            </a:r>
+            <a:endParaRPr lang="zh-CN" altLang="en-US" sz="2800" i="1">
+              <a:solidFill>
+                <a:srgbClr val="C00000"/>
+              </a:solidFill>
+              <a:latin typeface="Arial Italic" panose="020B0604020202020204" charset="0"/>
+              <a:cs typeface="Arial Italic" panose="020B0604020202020204" charset="0"/>
+            </a:endParaRPr>
+          </a:p>
+          <a:p>
+            <a:pPr algn="l"/>
+            <a:r>
+              <a:rPr lang="zh-CN" altLang="en-US" sz="2800" i="1">
+                <a:solidFill>
+                  <a:srgbClr val="C00000"/>
+                </a:solidFill>
+                <a:latin typeface="Arial Italic" panose="020B0604020202020204" charset="0"/>
+                <a:cs typeface="Arial Italic" panose="020B0604020202020204" charset="0"/>
+              </a:rPr>
+              <a:t>}</a:t>
+            </a:r>
+            <a:endParaRPr lang="zh-CN" altLang="en-US" sz="2800" i="1">
+              <a:solidFill>
+                <a:srgbClr val="C00000"/>
+              </a:solidFill>
+              <a:latin typeface="Arial Italic" panose="020B0604020202020204" charset="0"/>
+              <a:cs typeface="Arial Italic" panose="020B0604020202020204" charset="0"/>
+            </a:endParaRPr>
+          </a:p>
+        </p:txBody>
+      </p:sp>
+      <p:sp>
+        <p:nvSpPr>
+          <p:cNvPr id="6" name="文本框 5"/>
+          <p:cNvSpPr txBox="1"/>
+          <p:nvPr/>
+        </p:nvSpPr>
+        <p:spPr>
+          <a:xfrm>
+            <a:off x="3816350" y="1655445"/>
+            <a:ext cx="3126740" cy="1814830"/>
+          </a:xfrm>
+          <a:prstGeom prst="rect">
+            <a:avLst/>
+          </a:prstGeom>
+          <a:noFill/>
+        </p:spPr>
+        <p:txBody>
+          <a:bodyPr wrap="none" rtlCol="0">
+            <a:spAutoFit/>
+          </a:bodyPr>
+          <a:p>
+            <a:pPr algn="l"/>
+            <a:r>
+              <a:rPr lang="zh-CN" altLang="en-US" sz="2800" i="1">
+                <a:solidFill>
+                  <a:srgbClr val="0070C0"/>
+                </a:solidFill>
+                <a:latin typeface="Arial Italic" panose="020B0604020202020204" charset="0"/>
+                <a:cs typeface="Arial Italic" panose="020B0604020202020204" charset="0"/>
+              </a:rPr>
+              <a:t>//</a:t>
+            </a:r>
+            <a:r>
+              <a:rPr lang="en-US" altLang="zh-CN" sz="2800" i="1">
+                <a:solidFill>
+                  <a:srgbClr val="0070C0"/>
+                </a:solidFill>
+                <a:latin typeface="Arial Italic" panose="020B0604020202020204" charset="0"/>
+                <a:cs typeface="Arial Italic" panose="020B0604020202020204" charset="0"/>
+              </a:rPr>
+              <a:t> </a:t>
+            </a:r>
+            <a:r>
+              <a:rPr lang="zh-CN" altLang="en-US" sz="2800" i="1">
+                <a:solidFill>
+                  <a:srgbClr val="0070C0"/>
+                </a:solidFill>
+                <a:latin typeface="Arial Italic" panose="020B0604020202020204" charset="0"/>
+                <a:cs typeface="Arial Italic" panose="020B0604020202020204" charset="0"/>
+              </a:rPr>
+              <a:t>sub.c</a:t>
+            </a:r>
+            <a:endParaRPr lang="zh-CN" altLang="en-US" sz="2800" i="1">
+              <a:solidFill>
+                <a:srgbClr val="0070C0"/>
+              </a:solidFill>
+              <a:latin typeface="Arial Italic" panose="020B0604020202020204" charset="0"/>
+              <a:cs typeface="Arial Italic" panose="020B0604020202020204" charset="0"/>
+            </a:endParaRPr>
+          </a:p>
+          <a:p>
+            <a:pPr algn="l"/>
+            <a:r>
+              <a:rPr lang="zh-CN" altLang="en-US" sz="2800" i="1">
+                <a:solidFill>
+                  <a:srgbClr val="0070C0"/>
+                </a:solidFill>
+                <a:latin typeface="Arial Italic" panose="020B0604020202020204" charset="0"/>
+                <a:cs typeface="Arial Italic" panose="020B0604020202020204" charset="0"/>
+              </a:rPr>
+              <a:t>int sub(int a, int b){</a:t>
+            </a:r>
+            <a:endParaRPr lang="zh-CN" altLang="en-US" sz="2800" i="1">
+              <a:solidFill>
+                <a:srgbClr val="0070C0"/>
+              </a:solidFill>
+              <a:latin typeface="Arial Italic" panose="020B0604020202020204" charset="0"/>
+              <a:cs typeface="Arial Italic" panose="020B0604020202020204" charset="0"/>
+            </a:endParaRPr>
+          </a:p>
+          <a:p>
+            <a:pPr algn="l"/>
+            <a:r>
+              <a:rPr lang="en-US" altLang="zh-CN" sz="2800" i="1">
+                <a:solidFill>
+                  <a:srgbClr val="0070C0"/>
+                </a:solidFill>
+                <a:latin typeface="Arial Italic" panose="020B0604020202020204" charset="0"/>
+                <a:cs typeface="Arial Italic" panose="020B0604020202020204" charset="0"/>
+              </a:rPr>
+              <a:t>    </a:t>
+            </a:r>
+            <a:r>
+              <a:rPr lang="zh-CN" altLang="en-US" sz="2800" i="1">
+                <a:solidFill>
+                  <a:srgbClr val="0070C0"/>
+                </a:solidFill>
+                <a:latin typeface="Arial Italic" panose="020B0604020202020204" charset="0"/>
+                <a:cs typeface="Arial Italic" panose="020B0604020202020204" charset="0"/>
+              </a:rPr>
+              <a:t>return a</a:t>
+            </a:r>
+            <a:r>
+              <a:rPr lang="en-US" altLang="zh-CN" sz="2800" i="1">
+                <a:solidFill>
+                  <a:srgbClr val="0070C0"/>
+                </a:solidFill>
+                <a:latin typeface="Arial Italic" panose="020B0604020202020204" charset="0"/>
+                <a:cs typeface="Arial Italic" panose="020B0604020202020204" charset="0"/>
+              </a:rPr>
+              <a:t> </a:t>
+            </a:r>
+            <a:r>
+              <a:rPr lang="zh-CN" altLang="en-US" sz="2800" i="1">
+                <a:solidFill>
+                  <a:srgbClr val="0070C0"/>
+                </a:solidFill>
+                <a:latin typeface="Arial Italic" panose="020B0604020202020204" charset="0"/>
+                <a:cs typeface="Arial Italic" panose="020B0604020202020204" charset="0"/>
+              </a:rPr>
+              <a:t>-</a:t>
+            </a:r>
+            <a:r>
+              <a:rPr lang="en-US" altLang="zh-CN" sz="2800" i="1">
+                <a:solidFill>
+                  <a:srgbClr val="0070C0"/>
+                </a:solidFill>
+                <a:latin typeface="Arial Italic" panose="020B0604020202020204" charset="0"/>
+                <a:cs typeface="Arial Italic" panose="020B0604020202020204" charset="0"/>
+              </a:rPr>
+              <a:t> </a:t>
+            </a:r>
+            <a:r>
+              <a:rPr lang="zh-CN" altLang="en-US" sz="2800" i="1">
+                <a:solidFill>
+                  <a:srgbClr val="0070C0"/>
+                </a:solidFill>
+                <a:latin typeface="Arial Italic" panose="020B0604020202020204" charset="0"/>
+                <a:cs typeface="Arial Italic" panose="020B0604020202020204" charset="0"/>
+              </a:rPr>
+              <a:t>b;</a:t>
+            </a:r>
+            <a:endParaRPr lang="zh-CN" altLang="en-US" sz="2800" i="1">
+              <a:solidFill>
+                <a:srgbClr val="0070C0"/>
+              </a:solidFill>
+              <a:latin typeface="Arial Italic" panose="020B0604020202020204" charset="0"/>
+              <a:cs typeface="Arial Italic" panose="020B0604020202020204" charset="0"/>
+            </a:endParaRPr>
+          </a:p>
+          <a:p>
+            <a:pPr algn="l"/>
+            <a:r>
+              <a:rPr lang="zh-CN" altLang="en-US" sz="2800" i="1">
+                <a:solidFill>
+                  <a:srgbClr val="0070C0"/>
+                </a:solidFill>
+                <a:latin typeface="Arial Italic" panose="020B0604020202020204" charset="0"/>
+                <a:cs typeface="Arial Italic" panose="020B0604020202020204" charset="0"/>
+              </a:rPr>
+              <a:t>}</a:t>
+            </a:r>
+            <a:endParaRPr lang="zh-CN" altLang="en-US" sz="2800" i="1">
+              <a:solidFill>
+                <a:srgbClr val="0070C0"/>
+              </a:solidFill>
+              <a:latin typeface="Arial Italic" panose="020B0604020202020204" charset="0"/>
+              <a:cs typeface="Arial Italic" panose="020B0604020202020204" charset="0"/>
+            </a:endParaRPr>
+          </a:p>
+        </p:txBody>
+      </p:sp>
+      <p:sp>
+        <p:nvSpPr>
+          <p:cNvPr id="7" name="文本框 6"/>
+          <p:cNvSpPr txBox="1"/>
+          <p:nvPr/>
+        </p:nvSpPr>
+        <p:spPr>
+          <a:xfrm>
+            <a:off x="8289925" y="2409825"/>
+            <a:ext cx="3225165" cy="1814830"/>
+          </a:xfrm>
+          <a:prstGeom prst="rect">
+            <a:avLst/>
+          </a:prstGeom>
+          <a:noFill/>
+        </p:spPr>
+        <p:txBody>
+          <a:bodyPr wrap="none" rtlCol="0">
+            <a:spAutoFit/>
+          </a:bodyPr>
+          <a:p>
+            <a:pPr algn="l"/>
+            <a:r>
+              <a:rPr lang="zh-CN" altLang="en-US" sz="2800" i="1">
+                <a:solidFill>
+                  <a:srgbClr val="7030A0"/>
+                </a:solidFill>
+                <a:latin typeface="Arial Italic" panose="020B0604020202020204" charset="0"/>
+                <a:cs typeface="Arial Italic" panose="020B0604020202020204" charset="0"/>
+              </a:rPr>
+              <a:t>//</a:t>
+            </a:r>
+            <a:r>
+              <a:rPr lang="en-US" altLang="zh-CN" sz="2800" i="1">
+                <a:solidFill>
+                  <a:srgbClr val="7030A0"/>
+                </a:solidFill>
+                <a:latin typeface="Arial Italic" panose="020B0604020202020204" charset="0"/>
+                <a:cs typeface="Arial Italic" panose="020B0604020202020204" charset="0"/>
+              </a:rPr>
+              <a:t> </a:t>
+            </a:r>
+            <a:r>
+              <a:rPr lang="zh-CN" altLang="en-US" sz="2800" i="1">
+                <a:solidFill>
+                  <a:srgbClr val="7030A0"/>
+                </a:solidFill>
+                <a:latin typeface="Arial Italic" panose="020B0604020202020204" charset="0"/>
+                <a:cs typeface="Arial Italic" panose="020B0604020202020204" charset="0"/>
+              </a:rPr>
+              <a:t>mult.c</a:t>
+            </a:r>
+            <a:endParaRPr lang="zh-CN" altLang="en-US" sz="2800" i="1">
+              <a:solidFill>
+                <a:srgbClr val="7030A0"/>
+              </a:solidFill>
+              <a:latin typeface="Arial Italic" panose="020B0604020202020204" charset="0"/>
+              <a:cs typeface="Arial Italic" panose="020B0604020202020204" charset="0"/>
+            </a:endParaRPr>
+          </a:p>
+          <a:p>
+            <a:pPr algn="l"/>
+            <a:r>
+              <a:rPr lang="zh-CN" altLang="en-US" sz="2800" i="1">
+                <a:solidFill>
+                  <a:srgbClr val="7030A0"/>
+                </a:solidFill>
+                <a:latin typeface="Arial Italic" panose="020B0604020202020204" charset="0"/>
+                <a:cs typeface="Arial Italic" panose="020B0604020202020204" charset="0"/>
+              </a:rPr>
+              <a:t>int mult(int a, int b){</a:t>
+            </a:r>
+            <a:endParaRPr lang="zh-CN" altLang="en-US" sz="2800" i="1">
+              <a:solidFill>
+                <a:srgbClr val="7030A0"/>
+              </a:solidFill>
+              <a:latin typeface="Arial Italic" panose="020B0604020202020204" charset="0"/>
+              <a:cs typeface="Arial Italic" panose="020B0604020202020204" charset="0"/>
+            </a:endParaRPr>
+          </a:p>
+          <a:p>
+            <a:pPr algn="l"/>
+            <a:r>
+              <a:rPr lang="en-US" altLang="zh-CN" sz="2800" i="1">
+                <a:solidFill>
+                  <a:srgbClr val="7030A0"/>
+                </a:solidFill>
+                <a:latin typeface="Arial Italic" panose="020B0604020202020204" charset="0"/>
+                <a:cs typeface="Arial Italic" panose="020B0604020202020204" charset="0"/>
+              </a:rPr>
+              <a:t>    </a:t>
+            </a:r>
+            <a:r>
+              <a:rPr lang="zh-CN" altLang="en-US" sz="2800" i="1">
+                <a:solidFill>
+                  <a:srgbClr val="7030A0"/>
+                </a:solidFill>
+                <a:latin typeface="Arial Italic" panose="020B0604020202020204" charset="0"/>
+                <a:cs typeface="Arial Italic" panose="020B0604020202020204" charset="0"/>
+              </a:rPr>
+              <a:t>return a</a:t>
+            </a:r>
+            <a:r>
+              <a:rPr lang="en-US" altLang="zh-CN" sz="2800" i="1">
+                <a:solidFill>
+                  <a:srgbClr val="7030A0"/>
+                </a:solidFill>
+                <a:latin typeface="Arial Italic" panose="020B0604020202020204" charset="0"/>
+                <a:cs typeface="Arial Italic" panose="020B0604020202020204" charset="0"/>
+              </a:rPr>
+              <a:t> </a:t>
+            </a:r>
+            <a:r>
+              <a:rPr lang="zh-CN" altLang="en-US" sz="2800" i="1">
+                <a:solidFill>
+                  <a:srgbClr val="7030A0"/>
+                </a:solidFill>
+                <a:latin typeface="Arial Italic" panose="020B0604020202020204" charset="0"/>
+                <a:cs typeface="Arial Italic" panose="020B0604020202020204" charset="0"/>
+              </a:rPr>
+              <a:t>*</a:t>
+            </a:r>
+            <a:r>
+              <a:rPr lang="en-US" altLang="zh-CN" sz="2800" i="1">
+                <a:solidFill>
+                  <a:srgbClr val="7030A0"/>
+                </a:solidFill>
+                <a:latin typeface="Arial Italic" panose="020B0604020202020204" charset="0"/>
+                <a:cs typeface="Arial Italic" panose="020B0604020202020204" charset="0"/>
+              </a:rPr>
+              <a:t> </a:t>
+            </a:r>
+            <a:r>
+              <a:rPr lang="zh-CN" altLang="en-US" sz="2800" i="1">
+                <a:solidFill>
+                  <a:srgbClr val="7030A0"/>
+                </a:solidFill>
+                <a:latin typeface="Arial Italic" panose="020B0604020202020204" charset="0"/>
+                <a:cs typeface="Arial Italic" panose="020B0604020202020204" charset="0"/>
+              </a:rPr>
+              <a:t>b;</a:t>
+            </a:r>
+            <a:endParaRPr lang="zh-CN" altLang="en-US" sz="2800" i="1">
+              <a:solidFill>
+                <a:srgbClr val="7030A0"/>
+              </a:solidFill>
+              <a:latin typeface="Arial Italic" panose="020B0604020202020204" charset="0"/>
+              <a:cs typeface="Arial Italic" panose="020B0604020202020204" charset="0"/>
+            </a:endParaRPr>
+          </a:p>
+          <a:p>
+            <a:pPr algn="l"/>
+            <a:r>
+              <a:rPr lang="zh-CN" altLang="en-US" sz="2800" i="1">
+                <a:solidFill>
+                  <a:srgbClr val="7030A0"/>
+                </a:solidFill>
+                <a:latin typeface="Arial Italic" panose="020B0604020202020204" charset="0"/>
+                <a:cs typeface="Arial Italic" panose="020B0604020202020204" charset="0"/>
+              </a:rPr>
+              <a:t>}</a:t>
+            </a:r>
+            <a:endParaRPr lang="zh-CN" altLang="en-US" sz="2800" i="1">
+              <a:solidFill>
+                <a:srgbClr val="7030A0"/>
+              </a:solidFill>
+              <a:latin typeface="Arial Italic" panose="020B0604020202020204" charset="0"/>
+              <a:cs typeface="Arial Italic" panose="020B0604020202020204" charset="0"/>
+            </a:endParaRPr>
+          </a:p>
+        </p:txBody>
+      </p:sp>
+      <p:sp>
+        <p:nvSpPr>
+          <p:cNvPr id="9" name="文本框 8"/>
+          <p:cNvSpPr txBox="1"/>
+          <p:nvPr/>
+        </p:nvSpPr>
+        <p:spPr>
+          <a:xfrm>
+            <a:off x="5654675" y="4410075"/>
+            <a:ext cx="3507740" cy="1814830"/>
+          </a:xfrm>
+          <a:prstGeom prst="rect">
+            <a:avLst/>
+          </a:prstGeom>
+          <a:noFill/>
+        </p:spPr>
+        <p:txBody>
+          <a:bodyPr wrap="none" rtlCol="0">
+            <a:spAutoFit/>
+          </a:bodyPr>
+          <a:p>
+            <a:pPr algn="l"/>
+            <a:r>
+              <a:rPr lang="en-US" altLang="zh-CN" sz="2800" i="1">
+                <a:solidFill>
+                  <a:srgbClr val="00B050"/>
+                </a:solidFill>
+              </a:rPr>
+              <a:t>// </a:t>
+            </a:r>
+            <a:r>
+              <a:rPr lang="zh-CN" altLang="en-US" sz="2800" i="1">
+                <a:solidFill>
+                  <a:srgbClr val="00B050"/>
+                </a:solidFill>
+              </a:rPr>
+              <a:t>头文件mymath.h：</a:t>
+            </a:r>
+            <a:endParaRPr lang="zh-CN" altLang="en-US" sz="2800" i="1">
+              <a:solidFill>
+                <a:srgbClr val="00B050"/>
+              </a:solidFill>
+            </a:endParaRPr>
+          </a:p>
+          <a:p>
+            <a:pPr algn="l"/>
+            <a:r>
+              <a:rPr lang="en-US" altLang="zh-CN" sz="2800" i="1">
+                <a:solidFill>
+                  <a:srgbClr val="00B050"/>
+                </a:solidFill>
+              </a:rPr>
+              <a:t>int add(int a, int b);</a:t>
+            </a:r>
+            <a:endParaRPr lang="en-US" altLang="zh-CN" sz="2800" i="1">
+              <a:solidFill>
+                <a:srgbClr val="00B050"/>
+              </a:solidFill>
+            </a:endParaRPr>
+          </a:p>
+          <a:p>
+            <a:pPr algn="l"/>
+            <a:r>
+              <a:rPr lang="en-US" altLang="zh-CN" sz="2800" i="1">
+                <a:solidFill>
+                  <a:srgbClr val="00B050"/>
+                </a:solidFill>
+              </a:rPr>
+              <a:t>int sub(int a, int b);</a:t>
+            </a:r>
+            <a:endParaRPr lang="en-US" altLang="zh-CN" sz="2800" i="1">
+              <a:solidFill>
+                <a:srgbClr val="00B050"/>
+              </a:solidFill>
+            </a:endParaRPr>
+          </a:p>
+          <a:p>
+            <a:pPr algn="l"/>
+            <a:r>
+              <a:rPr lang="en-US" altLang="zh-CN" sz="2800" i="1">
+                <a:solidFill>
+                  <a:srgbClr val="00B050"/>
+                </a:solidFill>
+              </a:rPr>
+              <a:t>int mult(int a, int b);</a:t>
+            </a:r>
+            <a:endParaRPr lang="en-US" altLang="zh-CN" sz="2800" i="1">
+              <a:solidFill>
+                <a:srgbClr val="00B050"/>
+              </a:solidFill>
+            </a:endParaRPr>
           </a:p>
         </p:txBody>
       </p:sp>
@@ -29935,6 +30092,170 @@
           <a:p>
             <a:r>
               <a:rPr lang="zh-CN" altLang="en-US"/>
+              <a:t>静态链接库工作原理</a:t>
+            </a:r>
+            <a:endParaRPr lang="zh-CN" altLang="en-US"/>
+          </a:p>
+        </p:txBody>
+      </p:sp>
+      <p:sp>
+        <p:nvSpPr>
+          <p:cNvPr id="3" name="内容占位符 2"/>
+          <p:cNvSpPr>
+            <a:spLocks noGrp="1"/>
+          </p:cNvSpPr>
+          <p:nvPr>
+            <p:ph idx="1"/>
+          </p:nvPr>
+        </p:nvSpPr>
+        <p:spPr/>
+        <p:txBody>
+          <a:bodyPr/>
+          <a:p>
+            <a:r>
+              <a:rPr lang="zh-CN" altLang="en-US">
+                <a:latin typeface="Courier New Regular" panose="02070309020205020404" charset="0"/>
+                <a:cs typeface="Courier New Regular" panose="02070309020205020404" charset="0"/>
+              </a:rPr>
+              <a:t>使用 GCC 来生成目标文件 add.o 、sub.o 、mult.o</a:t>
+            </a:r>
+            <a:endParaRPr lang="zh-CN" altLang="en-US">
+              <a:latin typeface="Courier New Regular" panose="02070309020205020404" charset="0"/>
+              <a:cs typeface="Courier New Regular" panose="02070309020205020404" charset="0"/>
+            </a:endParaRPr>
+          </a:p>
+          <a:p>
+            <a:pPr lvl="1"/>
+            <a:r>
+              <a:rPr lang="zh-CN" altLang="en-US">
+                <a:latin typeface="Courier New Regular" panose="02070309020205020404" charset="0"/>
+                <a:cs typeface="Courier New Regular" panose="02070309020205020404" charset="0"/>
+              </a:rPr>
+              <a:t>gcc -c add.c sub.c mult.c</a:t>
+            </a:r>
+            <a:endParaRPr lang="zh-CN" altLang="en-US">
+              <a:latin typeface="Courier New Regular" panose="02070309020205020404" charset="0"/>
+              <a:cs typeface="Courier New Regular" panose="02070309020205020404" charset="0"/>
+            </a:endParaRPr>
+          </a:p>
+          <a:p>
+            <a:r>
+              <a:rPr lang="zh-CN" altLang="en-US">
+                <a:latin typeface="Courier New Regular" panose="02070309020205020404" charset="0"/>
+                <a:cs typeface="Courier New Regular" panose="02070309020205020404" charset="0"/>
+              </a:rPr>
+              <a:t>创建一个名称为 libmymath.a 的静态库</a:t>
+            </a:r>
+            <a:endParaRPr lang="zh-CN" altLang="en-US">
+              <a:latin typeface="Courier New Regular" panose="02070309020205020404" charset="0"/>
+              <a:cs typeface="Courier New Regular" panose="02070309020205020404" charset="0"/>
+            </a:endParaRPr>
+          </a:p>
+          <a:p>
+            <a:pPr lvl="1"/>
+            <a:r>
+              <a:rPr lang="zh-CN" altLang="en-US">
+                <a:latin typeface="Courier New Regular" panose="02070309020205020404" charset="0"/>
+                <a:cs typeface="Courier New Regular" panose="02070309020205020404" charset="0"/>
+              </a:rPr>
+              <a:t>库文件名都是以lib开头的，静态库以.a作为后缀，表示Archive</a:t>
+            </a:r>
+            <a:endParaRPr lang="zh-CN" altLang="en-US">
+              <a:latin typeface="Courier New Regular" panose="02070309020205020404" charset="0"/>
+              <a:cs typeface="Courier New Regular" panose="02070309020205020404" charset="0"/>
+            </a:endParaRPr>
+          </a:p>
+          <a:p>
+            <a:pPr lvl="1"/>
+            <a:r>
+              <a:rPr lang="zh-CN" altLang="en-US">
+                <a:latin typeface="Courier New Regular" panose="02070309020205020404" charset="0"/>
+                <a:cs typeface="Courier New Regular" panose="02070309020205020404" charset="0"/>
+              </a:rPr>
+              <a:t>ar rs libmymath.a add.o sub.o mult.o</a:t>
+            </a:r>
+            <a:endParaRPr lang="zh-CN" altLang="en-US">
+              <a:latin typeface="Courier New Regular" panose="02070309020205020404" charset="0"/>
+              <a:cs typeface="Courier New Regular" panose="02070309020205020404" charset="0"/>
+            </a:endParaRPr>
+          </a:p>
+          <a:p>
+            <a:pPr lvl="2"/>
+            <a:r>
+              <a:rPr lang="zh-CN" altLang="en-US">
+                <a:latin typeface="Courier New Regular" panose="02070309020205020404" charset="0"/>
+                <a:cs typeface="Courier New Regular" panose="02070309020205020404" charset="0"/>
+              </a:rPr>
+              <a:t>ar命令类似于tar命令，起一个打包的作用</a:t>
+            </a:r>
+            <a:endParaRPr lang="zh-CN" altLang="en-US" sz="2000">
+              <a:latin typeface="Courier New Regular" panose="02070309020205020404" charset="0"/>
+              <a:cs typeface="Courier New Regular" panose="02070309020205020404" charset="0"/>
+            </a:endParaRPr>
+          </a:p>
+          <a:p>
+            <a:pPr lvl="2"/>
+            <a:r>
+              <a:rPr lang="zh-CN" altLang="en-US">
+                <a:latin typeface="Courier New Regular" panose="02070309020205020404" charset="0"/>
+                <a:cs typeface="Courier New Regular" panose="02070309020205020404" charset="0"/>
+              </a:rPr>
+              <a:t>选项r表示将后面的文件列表添加到文件包，s是专用于生成静态库的</a:t>
+            </a:r>
+            <a:endParaRPr lang="zh-CN" altLang="en-US">
+              <a:latin typeface="Courier New Regular" panose="02070309020205020404" charset="0"/>
+              <a:cs typeface="Courier New Regular" panose="02070309020205020404" charset="0"/>
+            </a:endParaRPr>
+          </a:p>
+          <a:p>
+            <a:r>
+              <a:rPr lang="zh-CN" altLang="en-US">
+                <a:latin typeface="Courier New Regular" panose="02070309020205020404" charset="0"/>
+                <a:cs typeface="Courier New Regular" panose="02070309020205020404" charset="0"/>
+              </a:rPr>
+              <a:t>现在，你已经创建了一个名称为 libmymath 的简单数学示例库，你可以在 C 代码中使用它</a:t>
+            </a:r>
+            <a:endParaRPr lang="zh-CN" altLang="en-US">
+              <a:latin typeface="Courier New Regular" panose="02070309020205020404" charset="0"/>
+              <a:cs typeface="Courier New Regular" panose="02070309020205020404" charset="0"/>
+            </a:endParaRPr>
+          </a:p>
+        </p:txBody>
+      </p:sp>
+    </p:spTree>
+  </p:cSld>
+  <p:clrMapOvr>
+    <a:masterClrMapping/>
+  </p:clrMapOvr>
+</p:sld>
+</file>
+
+<file path=ppt/slides/slide33.xml><?xml version="1.0" encoding="utf-8"?>
+<p:sld xmlns:a="http://schemas.openxmlformats.org/drawingml/2006/main" xmlns:r="http://schemas.openxmlformats.org/officeDocument/2006/relationships" xmlns:p="http://schemas.openxmlformats.org/presentationml/2006/main">
+  <p:cSld>
+    <p:spTree>
+      <p:nvGrpSpPr>
+        <p:cNvPr id="1" name=""/>
+        <p:cNvGrpSpPr/>
+        <p:nvPr/>
+      </p:nvGrpSpPr>
+      <p:grpSpPr/>
+      <p:sp>
+        <p:nvSpPr>
+          <p:cNvPr id="2" name="标题 1"/>
+          <p:cNvSpPr>
+            <a:spLocks noGrp="1"/>
+          </p:cNvSpPr>
+          <p:nvPr>
+            <p:ph type="title"/>
+          </p:nvPr>
+        </p:nvSpPr>
+        <p:spPr/>
+        <p:txBody>
+          <a:bodyPr/>
+          <a:p>
+            <a:r>
+              <a:rPr lang="zh-CN" altLang="en-US"/>
               <a:t>创建一个静态链接的应用程序</a:t>
             </a:r>
             <a:endParaRPr lang="zh-CN" altLang="en-US"/>
@@ -29988,7 +30309,30 @@
                 <a:latin typeface="Arial Italic" panose="020B0604020202020204" charset="0"/>
                 <a:cs typeface="Arial Italic" panose="020B0604020202020204" charset="0"/>
               </a:rPr>
-              <a:t>#include &lt;mymath.h&gt;</a:t>
+              <a:t>#include </a:t>
+            </a:r>
+            <a:r>
+              <a:rPr lang="zh-CN" altLang="en-US" sz="2000" i="1">
+                <a:latin typeface="Arial Italic" panose="020B0604020202020204" charset="0"/>
+                <a:cs typeface="Arial Italic" panose="020B0604020202020204" charset="0"/>
+                <a:sym typeface="+mn-ea"/>
+              </a:rPr>
+              <a:t>"</a:t>
+            </a:r>
+            <a:r>
+              <a:rPr lang="zh-CN" altLang="en-US" sz="2000" i="1">
+                <a:latin typeface="Arial Italic" panose="020B0604020202020204" charset="0"/>
+                <a:cs typeface="Arial Italic" panose="020B0604020202020204" charset="0"/>
+              </a:rPr>
+              <a:t>mymath.h</a:t>
+            </a:r>
+            <a:r>
+              <a:rPr lang="zh-CN" altLang="en-US" sz="2000" i="1">
+                <a:latin typeface="Arial Italic" panose="020B0604020202020204" charset="0"/>
+                <a:cs typeface="Arial Italic" panose="020B0604020202020204" charset="0"/>
+                <a:sym typeface="+mn-ea"/>
+              </a:rPr>
+              <a:t>"</a:t>
             </a:r>
             <a:endParaRPr lang="zh-CN" altLang="en-US" sz="2000" i="1">
               <a:latin typeface="Arial Italic" panose="020B0604020202020204" charset="0"/>
@@ -30181,7 +30525,7 @@
         <p:spPr>
           <a:xfrm>
             <a:off x="5723255" y="1631950"/>
-            <a:ext cx="6299835" cy="4831080"/>
+            <a:ext cx="6299835" cy="4338320"/>
           </a:xfrm>
           <a:prstGeom prst="rect">
             <a:avLst/>
@@ -30196,140 +30540,252 @@
             <a:pPr algn="l"/>
             <a:r>
               <a:rPr lang="zh-CN" altLang="en-US" sz="2800">
-                <a:latin typeface="黑体" charset="0"/>
+                <a:latin typeface="Courier New Regular" panose="02070309020205020404" charset="0"/>
                 <a:ea typeface="黑体" charset="0"/>
-                <a:cs typeface="黑体" charset="0"/>
+                <a:cs typeface="Courier New Regular" panose="02070309020205020404" charset="0"/>
               </a:rPr>
               <a:t>第</a:t>
             </a:r>
             <a:r>
               <a:rPr lang="en-US" altLang="zh-CN" sz="2800">
-                <a:latin typeface="黑体" charset="0"/>
+                <a:latin typeface="Courier New Regular" panose="02070309020205020404" charset="0"/>
                 <a:ea typeface="黑体" charset="0"/>
-                <a:cs typeface="黑体" charset="0"/>
+                <a:cs typeface="Courier New Regular" panose="02070309020205020404" charset="0"/>
               </a:rPr>
               <a:t>1</a:t>
             </a:r>
             <a:r>
               <a:rPr lang="zh-CN" altLang="en-US" sz="2800">
-                <a:latin typeface="黑体" charset="0"/>
+                <a:latin typeface="Courier New Regular" panose="02070309020205020404" charset="0"/>
                 <a:ea typeface="黑体" charset="0"/>
-                <a:cs typeface="黑体" charset="0"/>
+                <a:cs typeface="Courier New Regular" panose="02070309020205020404" charset="0"/>
               </a:rPr>
               <a:t>步：创建一个名称为 mathDemo.o 的对象文件</a:t>
             </a:r>
             <a:endParaRPr lang="zh-CN" altLang="en-US" sz="2800">
-              <a:latin typeface="黑体" charset="0"/>
+              <a:latin typeface="Courier New Regular" panose="02070309020205020404" charset="0"/>
               <a:ea typeface="黑体" charset="0"/>
-              <a:cs typeface="黑体" charset="0"/>
+              <a:cs typeface="Courier New Regular" panose="02070309020205020404" charset="0"/>
             </a:endParaRPr>
           </a:p>
           <a:p>
             <a:pPr algn="l"/>
             <a:r>
+              <a:rPr lang="zh-CN" altLang="en-US" sz="2400">
+                <a:latin typeface="Courier New Regular" panose="02070309020205020404" charset="0"/>
+                <a:ea typeface="黑体" charset="0"/>
+                <a:cs typeface="Courier New Regular" panose="02070309020205020404" charset="0"/>
+              </a:rPr>
+              <a:t>gcc -I </a:t>
+            </a:r>
+            <a:r>
+              <a:rPr lang="en-US" altLang="zh-CN" sz="2400">
+                <a:latin typeface="Courier New Regular" panose="02070309020205020404" charset="0"/>
+                <a:ea typeface="黑体" charset="0"/>
+                <a:cs typeface="Courier New Regular" panose="02070309020205020404" charset="0"/>
+              </a:rPr>
+              <a:t>source-code</a:t>
+            </a:r>
+            <a:r>
+              <a:rPr lang="zh-CN" altLang="en-US" sz="2400">
+                <a:latin typeface="Courier New Regular" panose="02070309020205020404" charset="0"/>
+                <a:ea typeface="黑体" charset="0"/>
+                <a:cs typeface="Courier New Regular" panose="02070309020205020404" charset="0"/>
+              </a:rPr>
+              <a:t> -c mathDemo.c</a:t>
+            </a:r>
+            <a:endParaRPr lang="zh-CN" altLang="en-US" sz="2400">
+              <a:latin typeface="Courier New Regular" panose="02070309020205020404" charset="0"/>
+              <a:ea typeface="黑体" charset="0"/>
+              <a:cs typeface="Courier New Regular" panose="02070309020205020404" charset="0"/>
+            </a:endParaRPr>
+          </a:p>
+          <a:p>
+            <a:pPr algn="l"/>
+            <a:r>
               <a:rPr lang="zh-CN" altLang="en-US" sz="2800">
-                <a:latin typeface="黑体" charset="0"/>
+                <a:latin typeface="Courier New Regular" panose="02070309020205020404" charset="0"/>
                 <a:ea typeface="黑体" charset="0"/>
-                <a:cs typeface="黑体" charset="0"/>
-              </a:rPr>
-              <a:t>gcc -I . -c mathDemo.c</a:t>
-            </a:r>
-            <a:endParaRPr lang="zh-CN" altLang="en-US" sz="2800">
-              <a:latin typeface="黑体" charset="0"/>
-              <a:ea typeface="黑体" charset="0"/>
-              <a:cs typeface="黑体" charset="0"/>
-            </a:endParaRPr>
-          </a:p>
-          <a:p>
-            <a:pPr algn="l"/>
-            <a:r>
-              <a:rPr lang="zh-CN" altLang="en-US" sz="2800">
-                <a:latin typeface="黑体" charset="0"/>
-                <a:ea typeface="黑体" charset="0"/>
-                <a:cs typeface="黑体" charset="0"/>
+                <a:cs typeface="Courier New Regular" panose="02070309020205020404" charset="0"/>
               </a:rPr>
               <a:t>（-I 选项告诉 GCC 来在其后所列出的目录中搜索头文件（在这个示例中是 mymath.h））</a:t>
             </a:r>
             <a:endParaRPr lang="zh-CN" altLang="en-US" sz="2800">
-              <a:latin typeface="黑体" charset="0"/>
+              <a:latin typeface="Courier New Regular" panose="02070309020205020404" charset="0"/>
               <a:ea typeface="黑体" charset="0"/>
-              <a:cs typeface="黑体" charset="0"/>
+              <a:cs typeface="Courier New Regular" panose="02070309020205020404" charset="0"/>
             </a:endParaRPr>
           </a:p>
           <a:p>
             <a:pPr algn="l"/>
             <a:endParaRPr lang="zh-CN" altLang="en-US" sz="2800">
-              <a:latin typeface="黑体" charset="0"/>
+              <a:latin typeface="Courier New Regular" panose="02070309020205020404" charset="0"/>
               <a:ea typeface="黑体" charset="0"/>
-              <a:cs typeface="黑体" charset="0"/>
+              <a:cs typeface="Courier New Regular" panose="02070309020205020404" charset="0"/>
             </a:endParaRPr>
           </a:p>
           <a:p>
             <a:pPr algn="l"/>
             <a:r>
               <a:rPr lang="zh-CN" altLang="en-US" sz="2800">
-                <a:latin typeface="黑体" charset="0"/>
+                <a:latin typeface="Courier New Regular" panose="02070309020205020404" charset="0"/>
                 <a:ea typeface="黑体" charset="0"/>
-                <a:cs typeface="黑体" charset="0"/>
+                <a:cs typeface="Courier New Regular" panose="02070309020205020404" charset="0"/>
               </a:rPr>
               <a:t>第</a:t>
             </a:r>
             <a:r>
               <a:rPr lang="en-US" altLang="zh-CN" sz="2800">
-                <a:latin typeface="黑体" charset="0"/>
+                <a:latin typeface="Courier New Regular" panose="02070309020205020404" charset="0"/>
                 <a:ea typeface="黑体" charset="0"/>
-                <a:cs typeface="黑体" charset="0"/>
+                <a:cs typeface="Courier New Regular" panose="02070309020205020404" charset="0"/>
               </a:rPr>
               <a:t>2</a:t>
             </a:r>
             <a:r>
               <a:rPr lang="zh-CN" altLang="en-US" sz="2800">
-                <a:latin typeface="黑体" charset="0"/>
+                <a:latin typeface="Courier New Regular" panose="02070309020205020404" charset="0"/>
                 <a:ea typeface="黑体" charset="0"/>
-                <a:cs typeface="黑体" charset="0"/>
+                <a:cs typeface="Courier New Regular" panose="02070309020205020404" charset="0"/>
               </a:rPr>
               <a:t>步：链接 mathDemo.o 和 libmymath.a 来生成最终的可执行文件</a:t>
             </a:r>
-            <a:endParaRPr lang="zh-CN" altLang="en-US" sz="2800">
-              <a:latin typeface="黑体" charset="0"/>
+            <a:endParaRPr lang="zh-CN" altLang="en-US">
+              <a:latin typeface="Courier New Regular" panose="02070309020205020404" charset="0"/>
               <a:ea typeface="黑体" charset="0"/>
-              <a:cs typeface="黑体" charset="0"/>
+              <a:cs typeface="Courier New Regular" panose="02070309020205020404" charset="0"/>
             </a:endParaRPr>
           </a:p>
+        </p:txBody>
+      </p:sp>
+      <p:sp>
+        <p:nvSpPr>
+          <p:cNvPr id="3" name="文本框 2"/>
+          <p:cNvSpPr txBox="1"/>
+          <p:nvPr/>
+        </p:nvSpPr>
+        <p:spPr>
+          <a:xfrm>
+            <a:off x="380365" y="6147435"/>
+            <a:ext cx="11155680" cy="460375"/>
+          </a:xfrm>
+          <a:prstGeom prst="rect">
+            <a:avLst/>
+          </a:prstGeom>
+          <a:noFill/>
+        </p:spPr>
+        <p:txBody>
+          <a:bodyPr wrap="none" rtlCol="0">
+            <a:spAutoFit/>
+          </a:bodyPr>
           <a:p>
             <a:pPr algn="l"/>
             <a:r>
-              <a:rPr lang="zh-CN" altLang="en-US" sz="2800">
-                <a:latin typeface="黑体" charset="0"/>
+              <a:rPr lang="zh-CN" altLang="en-US" sz="2400">
+                <a:latin typeface="Courier New Regular" panose="02070309020205020404" charset="0"/>
                 <a:ea typeface="黑体" charset="0"/>
-                <a:cs typeface="黑体" charset="0"/>
+                <a:cs typeface="Courier New Regular" panose="02070309020205020404" charset="0"/>
+                <a:sym typeface="+mn-ea"/>
               </a:rPr>
-              <a:t>gcc -static -o math</a:t>
-            </a:r>
-            <a:r>
-              <a:rPr lang="en-US" altLang="zh-CN" sz="2800">
-                <a:latin typeface="黑体" charset="0"/>
+              <a:t>gcc -static -o </a:t>
+            </a:r>
+            <a:r>
+              <a:rPr lang="zh-CN" altLang="en-US" sz="2400">
+                <a:solidFill>
+                  <a:srgbClr val="C00000"/>
+                </a:solidFill>
+                <a:latin typeface="Courier New Regular" panose="02070309020205020404" charset="0"/>
                 <a:ea typeface="黑体" charset="0"/>
-                <a:cs typeface="黑体" charset="0"/>
+                <a:cs typeface="Courier New Regular" panose="02070309020205020404" charset="0"/>
+                <a:sym typeface="+mn-ea"/>
+              </a:rPr>
+              <a:t>math</a:t>
+            </a:r>
+            <a:r>
+              <a:rPr lang="en-US" altLang="zh-CN" sz="2400">
+                <a:solidFill>
+                  <a:srgbClr val="C00000"/>
+                </a:solidFill>
+                <a:latin typeface="Courier New Regular" panose="02070309020205020404" charset="0"/>
+                <a:ea typeface="黑体" charset="0"/>
+                <a:cs typeface="Courier New Regular" panose="02070309020205020404" charset="0"/>
+                <a:sym typeface="+mn-ea"/>
               </a:rPr>
               <a:t>Static</a:t>
             </a:r>
             <a:r>
-              <a:rPr lang="zh-CN" altLang="en-US" sz="2800">
-                <a:latin typeface="黑体" charset="0"/>
+              <a:rPr lang="zh-CN" altLang="en-US" sz="2400">
+                <a:latin typeface="Courier New Regular" panose="02070309020205020404" charset="0"/>
                 <a:ea typeface="黑体" charset="0"/>
-                <a:cs typeface="黑体" charset="0"/>
+                <a:cs typeface="Courier New Regular" panose="02070309020205020404" charset="0"/>
+                <a:sym typeface="+mn-ea"/>
               </a:rPr>
-              <a:t> mathDemo.o libmymath.a</a:t>
-            </a:r>
-            <a:endParaRPr lang="zh-CN" altLang="en-US" sz="2800">
-              <a:latin typeface="黑体" charset="0"/>
+              <a:t> mathDemo.o </a:t>
+            </a:r>
+            <a:r>
+              <a:rPr lang="en-US" altLang="zh-CN" sz="2400">
+                <a:latin typeface="Courier New Regular" panose="02070309020205020404" charset="0"/>
+                <a:ea typeface="黑体" charset="0"/>
+                <a:cs typeface="Courier New Regular" panose="02070309020205020404" charset="0"/>
+                <a:sym typeface="+mn-ea"/>
+              </a:rPr>
+              <a:t>source-code/</a:t>
+            </a:r>
+            <a:r>
+              <a:rPr lang="zh-CN" altLang="en-US" sz="2400">
+                <a:latin typeface="Courier New Regular" panose="02070309020205020404" charset="0"/>
+                <a:ea typeface="黑体" charset="0"/>
+                <a:cs typeface="Courier New Regular" panose="02070309020205020404" charset="0"/>
+                <a:sym typeface="+mn-ea"/>
+              </a:rPr>
+              <a:t>libmymath.a</a:t>
+            </a:r>
+            <a:endParaRPr lang="zh-CN" altLang="en-US" sz="2400">
+              <a:latin typeface="Courier New Regular" panose="02070309020205020404" charset="0"/>
               <a:ea typeface="黑体" charset="0"/>
-              <a:cs typeface="黑体" charset="0"/>
+              <a:cs typeface="Courier New Regular" panose="02070309020205020404" charset="0"/>
+              <a:sym typeface="+mn-ea"/>
             </a:endParaRPr>
           </a:p>
         </p:txBody>
       </p:sp>
+      <p:cxnSp>
+        <p:nvCxnSpPr>
+          <p:cNvPr id="4" name="直接箭头连接符 3"/>
+          <p:cNvCxnSpPr/>
+          <p:nvPr/>
+        </p:nvCxnSpPr>
+        <p:spPr>
+          <a:xfrm flipH="1">
+            <a:off x="8446770" y="5711825"/>
+            <a:ext cx="747395" cy="356870"/>
+          </a:xfrm>
+          <a:prstGeom prst="straightConnector1">
+            <a:avLst/>
+          </a:prstGeom>
+          <a:ln w="41275" cmpd="sng">
+            <a:solidFill>
+              <a:srgbClr val="202020"/>
+            </a:solidFill>
+            <a:prstDash val="solid"/>
+            <a:tailEnd type="arrow"/>
+          </a:ln>
+        </p:spPr>
+        <p:style>
+          <a:lnRef idx="1">
+            <a:schemeClr val="accent1"/>
+          </a:lnRef>
+          <a:fillRef idx="0">
+            <a:schemeClr val="accent1"/>
+          </a:fillRef>
+          <a:effectRef idx="0">
+            <a:schemeClr val="accent1"/>
+          </a:effectRef>
+          <a:fontRef idx="minor">
+            <a:schemeClr val="tx1"/>
+          </a:fontRef>
+        </p:style>
+      </p:cxnSp>
     </p:spTree>
   </p:cSld>
   <p:clrMapOvr>
@@ -30338,7 +30794,7 @@
 </p:sld>
 </file>
 
-<file path=ppt/slides/slide33.xml><?xml version="1.0" encoding="utf-8"?>
+<file path=ppt/slides/slide34.xml><?xml version="1.0" encoding="utf-8"?>
 <p:sld xmlns:a="http://schemas.openxmlformats.org/drawingml/2006/main" xmlns:r="http://schemas.openxmlformats.org/officeDocument/2006/relationships" xmlns:p="http://schemas.openxmlformats.org/presentationml/2006/main">
   <p:cSld>
     <p:spTree>
@@ -30461,7 +30917,7 @@
 </p:sld>
 </file>
 
-<file path=ppt/slides/slide34.xml><?xml version="1.0" encoding="utf-8"?>
+<file path=ppt/slides/slide35.xml><?xml version="1.0" encoding="utf-8"?>
 <p:sld xmlns:a="http://schemas.openxmlformats.org/drawingml/2006/main" xmlns:r="http://schemas.openxmlformats.org/officeDocument/2006/relationships" xmlns:p="http://schemas.openxmlformats.org/presentationml/2006/main">
   <p:cSld>
     <p:spTree>
@@ -30546,7 +31002,14 @@
                 <a:latin typeface="黑体" charset="0"/>
                 <a:ea typeface="黑体" charset="0"/>
               </a:rPr>
-              <a:t>动态库在程序编译时并不会被连接到目标代码中，而是在程序运行是才被载入</a:t>
+              <a:t>动态库在程序编译时并不会被</a:t>
+            </a:r>
+            <a:r>
+              <a:rPr lang="zh-CN" altLang="en-US" sz="2800">
+                <a:latin typeface="黑体" charset="0"/>
+                <a:ea typeface="黑体" charset="0"/>
+              </a:rPr>
+              <a:t>链接到目标代码中，而是在程序运行是才被载入</a:t>
             </a:r>
             <a:endParaRPr lang="zh-CN" altLang="en-US" sz="2800">
               <a:latin typeface="黑体" charset="0"/>
@@ -30573,184 +31036,6 @@
               <a:latin typeface="黑体" charset="0"/>
               <a:ea typeface="黑体" charset="0"/>
             </a:endParaRPr>
-          </a:p>
-        </p:txBody>
-      </p:sp>
-    </p:spTree>
-  </p:cSld>
-  <p:clrMapOvr>
-    <a:masterClrMapping/>
-  </p:clrMapOvr>
-</p:sld>
-</file>
-
-<file path=ppt/slides/slide35.xml><?xml version="1.0" encoding="utf-8"?>
-<p:sld xmlns:a="http://schemas.openxmlformats.org/drawingml/2006/main" xmlns:r="http://schemas.openxmlformats.org/officeDocument/2006/relationships" xmlns:p="http://schemas.openxmlformats.org/presentationml/2006/main">
-  <p:cSld>
-    <p:spTree>
-      <p:nvGrpSpPr>
-        <p:cNvPr id="1" name=""/>
-        <p:cNvGrpSpPr/>
-        <p:nvPr/>
-      </p:nvGrpSpPr>
-      <p:grpSpPr/>
-      <p:sp>
-        <p:nvSpPr>
-          <p:cNvPr id="2" name="标题 1"/>
-          <p:cNvSpPr>
-            <a:spLocks noGrp="1"/>
-          </p:cNvSpPr>
-          <p:nvPr>
-            <p:ph type="title"/>
-          </p:nvPr>
-        </p:nvSpPr>
-        <p:spPr/>
-        <p:txBody>
-          <a:bodyPr/>
-          <a:p>
-            <a:r>
-              <a:rPr lang="zh-CN" altLang="en-US"/>
-              <a:t>创建一个共享的目标文件</a:t>
-            </a:r>
-            <a:endParaRPr lang="zh-CN" altLang="en-US"/>
-          </a:p>
-        </p:txBody>
-      </p:sp>
-      <p:sp>
-        <p:nvSpPr>
-          <p:cNvPr id="3" name="内容占位符 2"/>
-          <p:cNvSpPr>
-            <a:spLocks noGrp="1"/>
-          </p:cNvSpPr>
-          <p:nvPr>
-            <p:ph idx="1"/>
-          </p:nvPr>
-        </p:nvSpPr>
-        <p:spPr/>
-        <p:txBody>
-          <a:bodyPr/>
-          <a:p>
-            <a:r>
-              <a:rPr lang="zh-CN" altLang="en-US"/>
-              <a:t>在最终的可执行文件的执行过程中将链接动态库</a:t>
-            </a:r>
-            <a:endParaRPr lang="zh-CN" altLang="en-US"/>
-          </a:p>
-          <a:p>
-            <a:r>
-              <a:rPr lang="zh-CN" altLang="en-US"/>
-              <a:t>在最终的可执行文件中仅放置动态库的名称</a:t>
-            </a:r>
-            <a:endParaRPr lang="zh-CN" altLang="en-US"/>
-          </a:p>
-          <a:p>
-            <a:r>
-              <a:rPr lang="zh-CN" altLang="en-US"/>
-              <a:t>gcc</a:t>
-            </a:r>
-            <a:r>
-              <a:rPr lang="en-US" altLang="zh-CN"/>
-              <a:t> </a:t>
-            </a:r>
-            <a:r>
-              <a:rPr lang="zh-CN" altLang="en-US"/>
-              <a:t>-fPIC -c add.c sub.c mult.c</a:t>
-            </a:r>
-            <a:endParaRPr lang="zh-CN" altLang="en-US"/>
-          </a:p>
-          <a:p>
-            <a:r>
-              <a:rPr lang="zh-CN" altLang="en-US"/>
-              <a:t>选项 -fPIC 告诉 GCC 来生成位置无关的代码position-independent code</a:t>
-            </a:r>
-            <a:r>
-              <a:rPr lang="en-US" altLang="zh-CN"/>
-              <a:t> (</a:t>
-            </a:r>
-            <a:r>
-              <a:rPr lang="zh-CN" altLang="en-US">
-                <a:sym typeface="+mn-ea"/>
-              </a:rPr>
-              <a:t>PIC</a:t>
-            </a:r>
-            <a:r>
-              <a:rPr lang="en-US" altLang="zh-CN"/>
-              <a:t>)</a:t>
-            </a:r>
-            <a:endParaRPr lang="zh-CN" altLang="en-US"/>
-          </a:p>
-          <a:p>
-            <a:r>
-              <a:rPr lang="zh-CN" altLang="en-US"/>
-              <a:t>创建共享库 libmymath.so：gcc -shared -o libmymath.so add.o sub.o mult.o</a:t>
-            </a:r>
-            <a:endParaRPr lang="zh-CN" altLang="en-US"/>
-          </a:p>
-          <a:p>
-            <a:pPr lvl="1"/>
-            <a:r>
-              <a:rPr lang="zh-CN" altLang="en-US"/>
-              <a:t>动态链接库的名字形式为 </a:t>
-            </a:r>
-            <a:r>
-              <a:rPr lang="zh-CN" altLang="en-US" b="1">
-                <a:solidFill>
-                  <a:srgbClr val="C00000"/>
-                </a:solidFill>
-                <a:latin typeface="Arial Bold" panose="020B0604020202020204" charset="0"/>
-                <a:cs typeface="Arial Bold" panose="020B0604020202020204" charset="0"/>
-              </a:rPr>
-              <a:t>libxxx.so</a:t>
-            </a:r>
-            <a:r>
-              <a:rPr lang="en-US" altLang="zh-CN"/>
-              <a:t> </a:t>
-            </a:r>
-            <a:r>
-              <a:rPr lang="zh-CN" altLang="en-US"/>
-              <a:t>，前缀是</a:t>
-            </a:r>
-            <a:r>
-              <a:rPr lang="en-US" altLang="zh-CN"/>
-              <a:t> </a:t>
-            </a:r>
-            <a:r>
-              <a:rPr lang="zh-CN" altLang="en-US" b="1">
-                <a:solidFill>
-                  <a:srgbClr val="C00000"/>
-                </a:solidFill>
-                <a:latin typeface="Arial Bold" panose="020B0604020202020204" charset="0"/>
-                <a:cs typeface="Arial Bold" panose="020B0604020202020204" charset="0"/>
-              </a:rPr>
-              <a:t>lib</a:t>
-            </a:r>
-            <a:r>
-              <a:rPr lang="en-US" altLang="zh-CN"/>
-              <a:t> </a:t>
-            </a:r>
-            <a:r>
-              <a:rPr lang="zh-CN" altLang="en-US"/>
-              <a:t>，后缀名为</a:t>
-            </a:r>
-            <a:r>
-              <a:rPr lang="en-US" altLang="zh-CN"/>
-              <a:t> </a:t>
-            </a:r>
-            <a:r>
-              <a:rPr lang="zh-CN" altLang="en-US" b="1">
-                <a:solidFill>
-                  <a:srgbClr val="C00000"/>
-                </a:solidFill>
-                <a:latin typeface="Arial Bold" panose="020B0604020202020204" charset="0"/>
-                <a:cs typeface="Arial Bold" panose="020B0604020202020204" charset="0"/>
-              </a:rPr>
-              <a:t>.so</a:t>
-            </a:r>
-            <a:r>
-              <a:rPr lang="en-US" altLang="zh-CN"/>
-              <a:t> </a:t>
-            </a:r>
-            <a:endParaRPr lang="en-US" altLang="zh-CN"/>
           </a:p>
         </p:txBody>
       </p:sp>
@@ -30788,7 +31073,11 @@
           <a:p>
             <a:r>
               <a:rPr lang="zh-CN" altLang="en-US"/>
-              <a:t>动态链接库</a:t>
+              <a:t>创建一个共享的目标文件（动态链接</a:t>
+            </a:r>
+            <a:r>
+              <a:rPr lang="zh-CN" altLang="en-US"/>
+              <a:t>库）</a:t>
             </a:r>
             <a:endParaRPr lang="zh-CN" altLang="en-US"/>
           </a:p>
@@ -30809,49 +31098,218 @@
           <a:bodyPr/>
           <a:p>
             <a:r>
-              <a:rPr lang="zh-CN" altLang="en-US"/>
-              <a:t>要使用一个共享库，你必须已经安装了它</a:t>
-            </a:r>
-            <a:endParaRPr lang="zh-CN" altLang="en-US"/>
-          </a:p>
-          <a:p>
-            <a:r>
-              <a:rPr lang="zh-CN" altLang="en-US"/>
-              <a:t>如何让系统能够找到它：</a:t>
-            </a:r>
-            <a:endParaRPr lang="zh-CN" altLang="en-US"/>
+              <a:rPr lang="zh-CN" altLang="en-US">
+                <a:latin typeface="Courier New Regular" panose="02070309020205020404" charset="0"/>
+                <a:cs typeface="Courier New Regular" panose="02070309020205020404" charset="0"/>
+              </a:rPr>
+              <a:t>在最终的可执行文件的执行过程中将链接动态库</a:t>
+            </a:r>
+            <a:endParaRPr lang="zh-CN" altLang="en-US">
+              <a:latin typeface="Courier New Regular" panose="02070309020205020404" charset="0"/>
+              <a:cs typeface="Courier New Regular" panose="02070309020205020404" charset="0"/>
+            </a:endParaRPr>
+          </a:p>
+          <a:p>
+            <a:r>
+              <a:rPr lang="zh-CN" altLang="en-US">
+                <a:latin typeface="Courier New Regular" panose="02070309020205020404" charset="0"/>
+                <a:cs typeface="Courier New Regular" panose="02070309020205020404" charset="0"/>
+              </a:rPr>
+              <a:t>在最终的可执行文件中仅放置动态库的名称</a:t>
+            </a:r>
+            <a:endParaRPr lang="zh-CN" altLang="en-US">
+              <a:latin typeface="Courier New Regular" panose="02070309020205020404" charset="0"/>
+              <a:cs typeface="Courier New Regular" panose="02070309020205020404" charset="0"/>
+            </a:endParaRPr>
+          </a:p>
+          <a:p>
+            <a:r>
+              <a:rPr lang="zh-CN" altLang="en-US">
+                <a:latin typeface="Courier New Regular" panose="02070309020205020404" charset="0"/>
+                <a:cs typeface="Courier New Regular" panose="02070309020205020404" charset="0"/>
+              </a:rPr>
+              <a:t>gcc</a:t>
+            </a:r>
+            <a:r>
+              <a:rPr lang="en-US" altLang="zh-CN">
+                <a:latin typeface="Courier New Regular" panose="02070309020205020404" charset="0"/>
+                <a:cs typeface="Courier New Regular" panose="02070309020205020404" charset="0"/>
+              </a:rPr>
+              <a:t> </a:t>
+            </a:r>
+            <a:r>
+              <a:rPr lang="zh-CN" altLang="en-US">
+                <a:latin typeface="Courier New Regular" panose="02070309020205020404" charset="0"/>
+                <a:cs typeface="Courier New Regular" panose="02070309020205020404" charset="0"/>
+              </a:rPr>
+              <a:t>-fPIC -c add.c sub.c mult.c</a:t>
+            </a:r>
+            <a:endParaRPr lang="zh-CN" altLang="en-US">
+              <a:latin typeface="Courier New Regular" panose="02070309020205020404" charset="0"/>
+              <a:cs typeface="Courier New Regular" panose="02070309020205020404" charset="0"/>
+            </a:endParaRPr>
+          </a:p>
+          <a:p>
+            <a:r>
+              <a:rPr lang="zh-CN" altLang="en-US">
+                <a:latin typeface="Courier New Regular" panose="02070309020205020404" charset="0"/>
+                <a:cs typeface="Courier New Regular" panose="02070309020205020404" charset="0"/>
+              </a:rPr>
+              <a:t>选项 -fPIC 告诉 GCC 来生成位置无关的代码position-independent code</a:t>
+            </a:r>
+            <a:r>
+              <a:rPr lang="en-US" altLang="zh-CN">
+                <a:latin typeface="Courier New Regular" panose="02070309020205020404" charset="0"/>
+                <a:cs typeface="Courier New Regular" panose="02070309020205020404" charset="0"/>
+              </a:rPr>
+              <a:t> (</a:t>
+            </a:r>
+            <a:r>
+              <a:rPr lang="zh-CN" altLang="en-US">
+                <a:latin typeface="Courier New Regular" panose="02070309020205020404" charset="0"/>
+                <a:cs typeface="Courier New Regular" panose="02070309020205020404" charset="0"/>
+                <a:sym typeface="+mn-ea"/>
+              </a:rPr>
+              <a:t>PIC</a:t>
+            </a:r>
+            <a:r>
+              <a:rPr lang="en-US" altLang="zh-CN">
+                <a:latin typeface="Courier New Regular" panose="02070309020205020404" charset="0"/>
+                <a:cs typeface="Courier New Regular" panose="02070309020205020404" charset="0"/>
+              </a:rPr>
+              <a:t>)</a:t>
+            </a:r>
+            <a:r>
+              <a:rPr lang="zh-CN" altLang="en-US">
+                <a:latin typeface="Courier New Regular" panose="02070309020205020404" charset="0"/>
+                <a:cs typeface="Courier New Regular" panose="02070309020205020404" charset="0"/>
+              </a:rPr>
+              <a:t>，</a:t>
+            </a:r>
+            <a:r>
+              <a:rPr lang="en-US" altLang="zh-CN">
+                <a:latin typeface="Courier New Regular" panose="02070309020205020404" charset="0"/>
+                <a:cs typeface="Courier New Regular" panose="02070309020205020404" charset="0"/>
+              </a:rPr>
+              <a:t>f</a:t>
+            </a:r>
+            <a:r>
+              <a:rPr lang="zh-CN" altLang="en-US">
+                <a:latin typeface="Courier New Regular" panose="02070309020205020404" charset="0"/>
+                <a:cs typeface="Courier New Regular" panose="02070309020205020404" charset="0"/>
+              </a:rPr>
+              <a:t>：force</a:t>
+            </a:r>
+            <a:endParaRPr lang="zh-CN" altLang="en-US">
+              <a:latin typeface="Courier New Regular" panose="02070309020205020404" charset="0"/>
+              <a:cs typeface="Courier New Regular" panose="02070309020205020404" charset="0"/>
+            </a:endParaRPr>
+          </a:p>
+          <a:p>
+            <a:r>
+              <a:rPr lang="zh-CN" altLang="en-US">
+                <a:latin typeface="Courier New Regular" panose="02070309020205020404" charset="0"/>
+                <a:cs typeface="Courier New Regular" panose="02070309020205020404" charset="0"/>
+              </a:rPr>
+              <a:t>创建共享库 libmymath.so：gcc -shared -o libmymath.so add.o sub.o mult.o</a:t>
+            </a:r>
+            <a:endParaRPr lang="zh-CN" altLang="en-US">
+              <a:latin typeface="Courier New Regular" panose="02070309020205020404" charset="0"/>
+              <a:cs typeface="Courier New Regular" panose="02070309020205020404" charset="0"/>
+            </a:endParaRPr>
           </a:p>
           <a:p>
             <a:pPr lvl="1"/>
             <a:r>
-              <a:rPr lang="zh-CN" altLang="en-US"/>
-              <a:t>如果安装在/lib或者/usr/lib下，那么ld默认能够找到，无需其它操作</a:t>
-            </a:r>
-            <a:endParaRPr lang="zh-CN" altLang="en-US"/>
-          </a:p>
-          <a:p>
-            <a:pPr lvl="1"/>
-            <a:r>
-              <a:rPr lang="zh-CN" altLang="en-US"/>
-              <a:t>如果安装在其它目录，需要将其添加到/etc/ld.so.cache文件中，步骤如下：</a:t>
-            </a:r>
-            <a:endParaRPr lang="zh-CN" altLang="en-US"/>
-          </a:p>
-          <a:p>
-            <a:pPr lvl="2"/>
-            <a:r>
-              <a:rPr lang="zh-CN" altLang="en-US"/>
-              <a:t>编辑/etc/ld.so.conf文件，加入库文件所在目录的路径</a:t>
-            </a:r>
-            <a:endParaRPr lang="zh-CN" altLang="en-US"/>
-          </a:p>
-          <a:p>
-            <a:pPr lvl="2"/>
-            <a:r>
-              <a:rPr lang="zh-CN" altLang="en-US"/>
-              <a:t>运行ldconfig ，该命令会重建/etc/ld.so.cache文件</a:t>
-            </a:r>
-            <a:endParaRPr lang="zh-CN" altLang="en-US"/>
+              <a:rPr lang="zh-CN" altLang="en-US">
+                <a:latin typeface="Courier New Regular" panose="02070309020205020404" charset="0"/>
+                <a:cs typeface="Courier New Regular" panose="02070309020205020404" charset="0"/>
+              </a:rPr>
+              <a:t>动态链接库的名字形式为 </a:t>
+            </a:r>
+            <a:r>
+              <a:rPr lang="zh-CN" altLang="en-US" b="1">
+                <a:solidFill>
+                  <a:srgbClr val="C00000"/>
+                </a:solidFill>
+                <a:latin typeface="Courier New Regular" panose="02070309020205020404" charset="0"/>
+                <a:cs typeface="Courier New Regular" panose="02070309020205020404" charset="0"/>
+              </a:rPr>
+              <a:t>libxxx.so</a:t>
+            </a:r>
+            <a:r>
+              <a:rPr lang="en-US" altLang="zh-CN">
+                <a:latin typeface="Courier New Regular" panose="02070309020205020404" charset="0"/>
+                <a:cs typeface="Courier New Regular" panose="02070309020205020404" charset="0"/>
+              </a:rPr>
+              <a:t> </a:t>
+            </a:r>
+            <a:r>
+              <a:rPr lang="zh-CN" altLang="en-US">
+                <a:latin typeface="Courier New Regular" panose="02070309020205020404" charset="0"/>
+                <a:cs typeface="Courier New Regular" panose="02070309020205020404" charset="0"/>
+              </a:rPr>
+              <a:t>，前缀是</a:t>
+            </a:r>
+            <a:r>
+              <a:rPr lang="en-US" altLang="zh-CN">
+                <a:latin typeface="Courier New Regular" panose="02070309020205020404" charset="0"/>
+                <a:cs typeface="Courier New Regular" panose="02070309020205020404" charset="0"/>
+              </a:rPr>
+              <a:t> </a:t>
+            </a:r>
+            <a:r>
+              <a:rPr lang="zh-CN" altLang="en-US" b="1">
+                <a:solidFill>
+                  <a:srgbClr val="C00000"/>
+                </a:solidFill>
+                <a:latin typeface="Courier New Regular" panose="02070309020205020404" charset="0"/>
+                <a:cs typeface="Courier New Regular" panose="02070309020205020404" charset="0"/>
+              </a:rPr>
+              <a:t>lib</a:t>
+            </a:r>
+            <a:r>
+              <a:rPr lang="en-US" altLang="zh-CN">
+                <a:latin typeface="Courier New Regular" panose="02070309020205020404" charset="0"/>
+                <a:cs typeface="Courier New Regular" panose="02070309020205020404" charset="0"/>
+              </a:rPr>
+              <a:t> </a:t>
+            </a:r>
+            <a:r>
+              <a:rPr lang="zh-CN" altLang="en-US">
+                <a:latin typeface="Courier New Regular" panose="02070309020205020404" charset="0"/>
+                <a:cs typeface="Courier New Regular" panose="02070309020205020404" charset="0"/>
+              </a:rPr>
+              <a:t>，后缀名为</a:t>
+            </a:r>
+            <a:r>
+              <a:rPr lang="en-US" altLang="zh-CN">
+                <a:latin typeface="Courier New Regular" panose="02070309020205020404" charset="0"/>
+                <a:cs typeface="Courier New Regular" panose="02070309020205020404" charset="0"/>
+              </a:rPr>
+              <a:t> </a:t>
+            </a:r>
+            <a:r>
+              <a:rPr lang="zh-CN" altLang="en-US" b="1">
+                <a:solidFill>
+                  <a:srgbClr val="C00000"/>
+                </a:solidFill>
+                <a:latin typeface="Courier New Regular" panose="02070309020205020404" charset="0"/>
+                <a:cs typeface="Courier New Regular" panose="02070309020205020404" charset="0"/>
+              </a:rPr>
+              <a:t>.so</a:t>
+            </a:r>
+            <a:r>
+              <a:rPr lang="en-US" altLang="zh-CN">
+                <a:latin typeface="Courier New Regular" panose="02070309020205020404" charset="0"/>
+                <a:cs typeface="Courier New Regular" panose="02070309020205020404" charset="0"/>
+              </a:rPr>
+              <a:t> </a:t>
+            </a:r>
+            <a:endParaRPr lang="en-US" altLang="zh-CN">
+              <a:latin typeface="Courier New Regular" panose="02070309020205020404" charset="0"/>
+              <a:cs typeface="Courier New Regular" panose="02070309020205020404" charset="0"/>
+            </a:endParaRPr>
           </a:p>
         </p:txBody>
       </p:sp>
@@ -30889,7 +31347,7 @@
           <a:p>
             <a:r>
               <a:rPr lang="zh-CN" altLang="en-US"/>
-              <a:t>编译应用程序</a:t>
+              <a:t>动态链接库</a:t>
             </a:r>
             <a:endParaRPr lang="zh-CN" altLang="en-US"/>
           </a:p>
@@ -30910,39 +31368,342 @@
           <a:bodyPr/>
           <a:p>
             <a:r>
+              <a:rPr lang="zh-CN" altLang="en-US">
+                <a:latin typeface="Courier New Regular" panose="02070309020205020404" charset="0"/>
+                <a:cs typeface="Courier New Regular" panose="02070309020205020404" charset="0"/>
+              </a:rPr>
+              <a:t>要使用一个共享库，你必须已经安装了它</a:t>
+            </a:r>
+            <a:endParaRPr lang="zh-CN" altLang="en-US">
+              <a:latin typeface="Courier New Regular" panose="02070309020205020404" charset="0"/>
+              <a:cs typeface="Courier New Regular" panose="02070309020205020404" charset="0"/>
+            </a:endParaRPr>
+          </a:p>
+          <a:p>
+            <a:r>
+              <a:rPr lang="zh-CN" altLang="en-US">
+                <a:latin typeface="Courier New Regular" panose="02070309020205020404" charset="0"/>
+                <a:cs typeface="Courier New Regular" panose="02070309020205020404" charset="0"/>
+              </a:rPr>
+              <a:t>如何让系统能够找到它：</a:t>
+            </a:r>
+            <a:endParaRPr lang="zh-CN" altLang="en-US">
+              <a:latin typeface="Courier New Regular" panose="02070309020205020404" charset="0"/>
+              <a:cs typeface="Courier New Regular" panose="02070309020205020404" charset="0"/>
+            </a:endParaRPr>
+          </a:p>
+          <a:p>
+            <a:pPr lvl="1"/>
+            <a:r>
+              <a:rPr lang="zh-CN" altLang="en-US">
+                <a:latin typeface="Courier New Regular" panose="02070309020205020404" charset="0"/>
+                <a:cs typeface="Courier New Regular" panose="02070309020205020404" charset="0"/>
+              </a:rPr>
+              <a:t>如果安装在/lib或者/usr/</a:t>
+            </a:r>
+            <a:r>
+              <a:rPr lang="en-US" altLang="zh-CN">
+                <a:latin typeface="Courier New Regular" panose="02070309020205020404" charset="0"/>
+                <a:cs typeface="Courier New Regular" panose="02070309020205020404" charset="0"/>
+              </a:rPr>
+              <a:t>l</a:t>
+            </a:r>
+            <a:r>
+              <a:rPr lang="zh-CN" altLang="en-US">
+                <a:latin typeface="Courier New Regular" panose="02070309020205020404" charset="0"/>
+                <a:cs typeface="Courier New Regular" panose="02070309020205020404" charset="0"/>
+              </a:rPr>
+              <a:t>ib下，那么ld默认能够找到，无需其它操作</a:t>
+            </a:r>
+            <a:endParaRPr lang="zh-CN" altLang="en-US">
+              <a:latin typeface="Courier New Regular" panose="02070309020205020404" charset="0"/>
+              <a:cs typeface="Courier New Regular" panose="02070309020205020404" charset="0"/>
+            </a:endParaRPr>
+          </a:p>
+          <a:p>
+            <a:pPr lvl="1"/>
+            <a:r>
+              <a:rPr lang="zh-CN" altLang="en-US">
+                <a:latin typeface="Courier New Regular" panose="02070309020205020404" charset="0"/>
+                <a:cs typeface="Courier New Regular" panose="02070309020205020404" charset="0"/>
+              </a:rPr>
+              <a:t>如果安装在其它目录，需要将其添加到/etc/ld.so.cache文件中，步骤如下：</a:t>
+            </a:r>
+            <a:endParaRPr lang="zh-CN" altLang="en-US">
+              <a:latin typeface="Courier New Regular" panose="02070309020205020404" charset="0"/>
+              <a:cs typeface="Courier New Regular" panose="02070309020205020404" charset="0"/>
+            </a:endParaRPr>
+          </a:p>
+          <a:p>
+            <a:pPr lvl="2"/>
+            <a:r>
+              <a:rPr lang="zh-CN" altLang="en-US">
+                <a:latin typeface="Courier New Regular" panose="02070309020205020404" charset="0"/>
+                <a:cs typeface="Courier New Regular" panose="02070309020205020404" charset="0"/>
+              </a:rPr>
+              <a:t>编辑/etc/ld.so.conf文件，加入库文件所在目录的路径</a:t>
+            </a:r>
+            <a:endParaRPr lang="zh-CN" altLang="en-US">
+              <a:latin typeface="Courier New Regular" panose="02070309020205020404" charset="0"/>
+              <a:cs typeface="Courier New Regular" panose="02070309020205020404" charset="0"/>
+            </a:endParaRPr>
+          </a:p>
+          <a:p>
+            <a:pPr lvl="2"/>
+            <a:r>
+              <a:rPr lang="zh-CN" altLang="en-US">
+                <a:latin typeface="Courier New Regular" panose="02070309020205020404" charset="0"/>
+                <a:cs typeface="Courier New Regular" panose="02070309020205020404" charset="0"/>
+              </a:rPr>
+              <a:t>运行ldconfig，该命令会重建/etc/ld.so.cache文件</a:t>
+            </a:r>
+            <a:endParaRPr lang="zh-CN" altLang="en-US">
+              <a:latin typeface="Courier New Regular" panose="02070309020205020404" charset="0"/>
+              <a:cs typeface="Courier New Regular" panose="02070309020205020404" charset="0"/>
+            </a:endParaRPr>
+          </a:p>
+        </p:txBody>
+      </p:sp>
+      <p:sp>
+        <p:nvSpPr>
+          <p:cNvPr id="5" name="文本框 4"/>
+          <p:cNvSpPr txBox="1"/>
+          <p:nvPr/>
+        </p:nvSpPr>
+        <p:spPr>
+          <a:xfrm>
+            <a:off x="5620385" y="5882005"/>
+            <a:ext cx="5120640" cy="645160"/>
+          </a:xfrm>
+          <a:prstGeom prst="rect">
+            <a:avLst/>
+          </a:prstGeom>
+          <a:noFill/>
+        </p:spPr>
+        <p:txBody>
+          <a:bodyPr wrap="none" rtlCol="0">
+            <a:spAutoFit/>
+          </a:bodyPr>
+          <a:p>
+            <a:pPr marL="0" lvl="1" algn="l"/>
+            <a:r>
+              <a:rPr lang="en-US" altLang="zh-CN" sz="3600">
+                <a:latin typeface="Courier New Regular" panose="02070309020205020404" charset="0"/>
+                <a:ea typeface="黑体" charset="0"/>
+                <a:cs typeface="Courier New Regular" panose="02070309020205020404" charset="0"/>
+                <a:sym typeface="+mn-ea"/>
+              </a:rPr>
+              <a:t>ld</a:t>
+            </a:r>
+            <a:r>
+              <a:rPr lang="zh-CN" altLang="en-US" sz="3600">
+                <a:latin typeface="Courier New Regular" panose="02070309020205020404" charset="0"/>
+                <a:ea typeface="黑体" charset="0"/>
+                <a:cs typeface="Courier New Regular" panose="02070309020205020404" charset="0"/>
+                <a:sym typeface="+mn-ea"/>
+              </a:rPr>
+              <a:t>（</a:t>
+            </a:r>
+            <a:r>
+              <a:rPr lang="en-US" altLang="zh-CN" sz="3600">
+                <a:latin typeface="Courier New Regular" panose="02070309020205020404" charset="0"/>
+                <a:ea typeface="黑体" charset="0"/>
+                <a:cs typeface="Courier New Regular" panose="02070309020205020404" charset="0"/>
+                <a:sym typeface="+mn-ea"/>
+              </a:rPr>
+              <a:t>loader</a:t>
+            </a:r>
+            <a:r>
+              <a:rPr lang="zh-CN" altLang="en-US" sz="3600">
+                <a:latin typeface="Courier New Regular" panose="02070309020205020404" charset="0"/>
+                <a:ea typeface="黑体" charset="0"/>
+                <a:cs typeface="Courier New Regular" panose="02070309020205020404" charset="0"/>
+                <a:sym typeface="+mn-ea"/>
+              </a:rPr>
+              <a:t>）为链接器</a:t>
+            </a:r>
+            <a:endParaRPr lang="zh-CN" altLang="en-US" sz="3600">
+              <a:latin typeface="Courier New Regular" panose="02070309020205020404" charset="0"/>
+              <a:ea typeface="黑体" charset="0"/>
+              <a:cs typeface="Courier New Regular" panose="02070309020205020404" charset="0"/>
+              <a:sym typeface="+mn-ea"/>
+            </a:endParaRPr>
+          </a:p>
+        </p:txBody>
+      </p:sp>
+      <p:cxnSp>
+        <p:nvCxnSpPr>
+          <p:cNvPr id="6" name="直接箭头连接符 5"/>
+          <p:cNvCxnSpPr/>
+          <p:nvPr/>
+        </p:nvCxnSpPr>
+        <p:spPr>
+          <a:xfrm flipH="1" flipV="1">
+            <a:off x="7334885" y="3181985"/>
+            <a:ext cx="1935480" cy="2614930"/>
+          </a:xfrm>
+          <a:prstGeom prst="straightConnector1">
+            <a:avLst/>
+          </a:prstGeom>
+          <a:ln w="41275" cmpd="sng">
+            <a:solidFill>
+              <a:srgbClr val="202020"/>
+            </a:solidFill>
+            <a:prstDash val="solid"/>
+            <a:tailEnd type="arrow"/>
+          </a:ln>
+        </p:spPr>
+        <p:style>
+          <a:lnRef idx="1">
+            <a:schemeClr val="accent1"/>
+          </a:lnRef>
+          <a:fillRef idx="0">
+            <a:schemeClr val="accent1"/>
+          </a:fillRef>
+          <a:effectRef idx="0">
+            <a:schemeClr val="accent1"/>
+          </a:effectRef>
+          <a:fontRef idx="minor">
+            <a:schemeClr val="tx1"/>
+          </a:fontRef>
+        </p:style>
+      </p:cxnSp>
+    </p:spTree>
+  </p:cSld>
+  <p:clrMapOvr>
+    <a:masterClrMapping/>
+  </p:clrMapOvr>
+</p:sld>
+</file>
+
+<file path=ppt/slides/slide38.xml><?xml version="1.0" encoding="utf-8"?>
+<p:sld xmlns:a="http://schemas.openxmlformats.org/drawingml/2006/main" xmlns:r="http://schemas.openxmlformats.org/officeDocument/2006/relationships" xmlns:p="http://schemas.openxmlformats.org/presentationml/2006/main">
+  <p:cSld>
+    <p:spTree>
+      <p:nvGrpSpPr>
+        <p:cNvPr id="1" name=""/>
+        <p:cNvGrpSpPr/>
+        <p:nvPr/>
+      </p:nvGrpSpPr>
+      <p:grpSpPr/>
+      <p:sp>
+        <p:nvSpPr>
+          <p:cNvPr id="2" name="标题 1"/>
+          <p:cNvSpPr>
+            <a:spLocks noGrp="1"/>
+          </p:cNvSpPr>
+          <p:nvPr>
+            <p:ph type="title"/>
+          </p:nvPr>
+        </p:nvSpPr>
+        <p:spPr/>
+        <p:txBody>
+          <a:bodyPr/>
+          <a:p>
+            <a:r>
               <a:rPr lang="zh-CN" altLang="en-US"/>
-              <a:t>gcc -I . -c mathDemo.c</a:t>
+              <a:t>编译应用程序</a:t>
             </a:r>
             <a:endParaRPr lang="zh-CN" altLang="en-US"/>
           </a:p>
-          <a:p>
-            <a:r>
-              <a:rPr lang="zh-CN" altLang="en-US"/>
-              <a:t>gcc -o mathDynamic mathDemo.o </a:t>
+        </p:txBody>
+      </p:sp>
+      <p:sp>
+        <p:nvSpPr>
+          <p:cNvPr id="3" name="内容占位符 2"/>
+          <p:cNvSpPr>
+            <a:spLocks noGrp="1"/>
+          </p:cNvSpPr>
+          <p:nvPr>
+            <p:ph idx="1"/>
+          </p:nvPr>
+        </p:nvSpPr>
+        <p:spPr/>
+        <p:txBody>
+          <a:bodyPr/>
+          <a:p>
+            <a:r>
+              <a:rPr lang="zh-CN" altLang="en-US">
+                <a:latin typeface="Courier New Regular" panose="02070309020205020404" charset="0"/>
+                <a:cs typeface="Courier New Regular" panose="02070309020205020404" charset="0"/>
+              </a:rPr>
+              <a:t>gcc -I </a:t>
+            </a:r>
+            <a:r>
+              <a:rPr lang="en-US" altLang="zh-CN">
+                <a:latin typeface="Courier New Regular" panose="02070309020205020404" charset="0"/>
+                <a:cs typeface="Courier New Regular" panose="02070309020205020404" charset="0"/>
+              </a:rPr>
+              <a:t>source-code</a:t>
+            </a:r>
+            <a:r>
+              <a:rPr lang="zh-CN" altLang="en-US">
+                <a:latin typeface="Courier New Regular" panose="02070309020205020404" charset="0"/>
+                <a:cs typeface="Courier New Regular" panose="02070309020205020404" charset="0"/>
+              </a:rPr>
+              <a:t> -c mathDemo.c</a:t>
+            </a:r>
+            <a:endParaRPr lang="zh-CN" altLang="en-US">
+              <a:latin typeface="Courier New Regular" panose="02070309020205020404" charset="0"/>
+              <a:cs typeface="Courier New Regular" panose="02070309020205020404" charset="0"/>
+            </a:endParaRPr>
+          </a:p>
+          <a:p>
+            <a:r>
+              <a:rPr lang="zh-CN" altLang="en-US">
+                <a:latin typeface="Courier New Regular" panose="02070309020205020404" charset="0"/>
+                <a:cs typeface="Courier New Regular" panose="02070309020205020404" charset="0"/>
+              </a:rPr>
+              <a:t>gcc -o </a:t>
+            </a:r>
+            <a:r>
+              <a:rPr lang="zh-CN" altLang="en-US" b="1">
+                <a:solidFill>
+                  <a:srgbClr val="C00000"/>
+                </a:solidFill>
+                <a:latin typeface="Courier New Regular" panose="02070309020205020404" charset="0"/>
+                <a:cs typeface="Courier New Regular" panose="02070309020205020404" charset="0"/>
+              </a:rPr>
+              <a:t>mathDynamic</a:t>
+            </a:r>
+            <a:r>
+              <a:rPr lang="zh-CN" altLang="en-US">
+                <a:latin typeface="Courier New Regular" panose="02070309020205020404" charset="0"/>
+                <a:cs typeface="Courier New Regular" panose="02070309020205020404" charset="0"/>
+              </a:rPr>
+              <a:t> mathDemo.o </a:t>
             </a:r>
             <a:r>
               <a:rPr lang="zh-CN" altLang="en-US" sz="4800" b="1">
                 <a:solidFill>
                   <a:srgbClr val="C00000"/>
                 </a:solidFill>
+                <a:latin typeface="Courier New Regular" panose="02070309020205020404" charset="0"/>
+                <a:cs typeface="Courier New Regular" panose="02070309020205020404" charset="0"/>
               </a:rPr>
               <a:t>-</a:t>
             </a:r>
             <a:r>
-              <a:rPr lang="zh-CN" altLang="en-US" sz="4800" b="1">
+              <a:rPr lang="en-US" altLang="zh-CN" sz="4800" b="1">
                 <a:solidFill>
                   <a:srgbClr val="C00000"/>
                 </a:solidFill>
-                <a:latin typeface="Arial Bold" panose="020B0604020202020204" charset="0"/>
-                <a:cs typeface="Arial Bold" panose="020B0604020202020204" charset="0"/>
+                <a:latin typeface="Courier New Regular" panose="02070309020205020404" charset="0"/>
+                <a:cs typeface="Courier New Regular" panose="02070309020205020404" charset="0"/>
               </a:rPr>
               <a:t>l</a:t>
             </a:r>
             <a:r>
-              <a:rPr lang="zh-CN" altLang="en-US"/>
+              <a:rPr lang="zh-CN" altLang="en-US">
+                <a:latin typeface="Courier New Regular" panose="02070309020205020404" charset="0"/>
+                <a:cs typeface="Courier New Regular" panose="02070309020205020404" charset="0"/>
+              </a:rPr>
               <a:t>mymath（GCC 会找到 libmymath.so ，因为它存在于一个默认的系统库目录中）</a:t>
             </a:r>
-            <a:endParaRPr lang="zh-CN" altLang="en-US"/>
+            <a:endParaRPr lang="zh-CN" altLang="en-US">
+              <a:latin typeface="Courier New Regular" panose="02070309020205020404" charset="0"/>
+              <a:cs typeface="Courier New Regular" panose="02070309020205020404" charset="0"/>
+            </a:endParaRPr>
           </a:p>
         </p:txBody>
       </p:sp>
@@ -31000,6 +31761,89 @@
           </a:p>
         </p:txBody>
       </p:sp>
+      <p:sp>
+        <p:nvSpPr>
+          <p:cNvPr id="6" name="文本框 5"/>
+          <p:cNvSpPr txBox="1"/>
+          <p:nvPr/>
+        </p:nvSpPr>
+        <p:spPr>
+          <a:xfrm>
+            <a:off x="5415915" y="3963035"/>
+            <a:ext cx="2377440" cy="829945"/>
+          </a:xfrm>
+          <a:prstGeom prst="rect">
+            <a:avLst/>
+          </a:prstGeom>
+          <a:noFill/>
+        </p:spPr>
+        <p:txBody>
+          <a:bodyPr wrap="none" rtlCol="0">
+            <a:spAutoFit/>
+          </a:bodyPr>
+          <a:p>
+            <a:pPr algn="l"/>
+            <a:r>
+              <a:rPr lang="zh-CN" altLang="en-US" sz="4800">
+                <a:latin typeface="Courier New Regular" panose="02070309020205020404" charset="0"/>
+                <a:ea typeface="黑体" charset="0"/>
+                <a:cs typeface="Courier New Regular" panose="02070309020205020404" charset="0"/>
+              </a:rPr>
+              <a:t>小写的</a:t>
+            </a:r>
+            <a:r>
+              <a:rPr lang="en-US" altLang="zh-CN" sz="4800">
+                <a:latin typeface="Courier New Regular" panose="02070309020205020404" charset="0"/>
+                <a:ea typeface="黑体" charset="0"/>
+                <a:cs typeface="Courier New Regular" panose="02070309020205020404" charset="0"/>
+              </a:rPr>
+              <a:t>L</a:t>
+            </a:r>
+            <a:endParaRPr lang="en-US" altLang="zh-CN" sz="4800">
+              <a:latin typeface="Courier New Regular" panose="02070309020205020404" charset="0"/>
+              <a:ea typeface="黑体" charset="0"/>
+              <a:cs typeface="Courier New Regular" panose="02070309020205020404" charset="0"/>
+            </a:endParaRPr>
+          </a:p>
+        </p:txBody>
+      </p:sp>
+      <p:cxnSp>
+        <p:nvCxnSpPr>
+          <p:cNvPr id="7" name="直接箭头连接符 6"/>
+          <p:cNvCxnSpPr/>
+          <p:nvPr/>
+        </p:nvCxnSpPr>
+        <p:spPr>
+          <a:xfrm flipV="1">
+            <a:off x="5908675" y="2859405"/>
+            <a:ext cx="1867535" cy="1137285"/>
+          </a:xfrm>
+          <a:prstGeom prst="straightConnector1">
+            <a:avLst/>
+          </a:prstGeom>
+          <a:ln w="41275" cmpd="sng">
+            <a:solidFill>
+              <a:srgbClr val="202020"/>
+            </a:solidFill>
+            <a:prstDash val="solid"/>
+            <a:tailEnd type="arrow"/>
+          </a:ln>
+        </p:spPr>
+        <p:style>
+          <a:lnRef idx="1">
+            <a:schemeClr val="accent1"/>
+          </a:lnRef>
+          <a:fillRef idx="0">
+            <a:schemeClr val="accent1"/>
+          </a:fillRef>
+          <a:effectRef idx="0">
+            <a:schemeClr val="accent1"/>
+          </a:effectRef>
+          <a:fontRef idx="minor">
+            <a:schemeClr val="tx1"/>
+          </a:fontRef>
+        </p:style>
+      </p:cxnSp>
     </p:spTree>
   </p:cSld>
   <p:clrMapOvr>

--- a/数据结构+算法/2022秋季-计算机基础与程序设计-数据结构-算法.pptx
+++ b/数据结构+算法/2022秋季-计算机基础与程序设计-数据结构-算法.pptx
@@ -147,7 +147,7 @@
       </a:defRPr>
     </a:lvl9pPr>
   </p:defaultTextStyle>
-  <p:modifyVerifier cryptProviderType="rsaFull" cryptAlgorithmClass="hash" cryptAlgorithmType="typeAny" cryptAlgorithmSid="4" spinCount="100000" saltData="D4jzCcWxKEMoWBjx/nLUwg==" hashData="7jvUHHo67i3ZpY/WHgHAW/wJZyA="/>
+  <p:modifyVerifier cryptProviderType="rsaFull" cryptAlgorithmClass="hash" cryptAlgorithmType="typeAny" cryptAlgorithmSid="4" spinCount="100000" saltData="AZoL6JvazQMXYKT+yZhV8w==" hashData="SjvnMBBsIGvkW9GSrFXprYwBLwQ="/>
 </p:presentation>
 </file>
 
@@ -28870,7 +28870,7 @@
         <p:spPr>
           <a:xfrm>
             <a:off x="5315585" y="570865"/>
-            <a:ext cx="6747510" cy="4154170"/>
+            <a:ext cx="6815455" cy="4154170"/>
           </a:xfrm>
           <a:prstGeom prst="rect">
             <a:avLst/>
@@ -29039,7 +29039,29 @@
                 <a:cs typeface="Arial Italic" panose="020B0604020202020204" charset="0"/>
                 <a:sym typeface="+mn-ea"/>
               </a:rPr>
-              <a:t>    printf("It took me %d clicks (%f seconds).\n", t,</a:t>
+              <a:t>    printf("It took me %</a:t>
+            </a:r>
+            <a:r>
+              <a:rPr lang="en-US" altLang="zh-CN" sz="2400" i="1">
+                <a:solidFill>
+                  <a:srgbClr val="0070C0"/>
+                </a:solidFill>
+                <a:latin typeface="Arial Italic" panose="020B0604020202020204" charset="0"/>
+                <a:cs typeface="Arial Italic" panose="020B0604020202020204" charset="0"/>
+                <a:sym typeface="+mn-ea"/>
+              </a:rPr>
+              <a:t>lu</a:t>
+            </a:r>
+            <a:r>
+              <a:rPr lang="zh-CN" altLang="en-US" sz="2400" i="1">
+                <a:solidFill>
+                  <a:srgbClr val="0070C0"/>
+                </a:solidFill>
+                <a:latin typeface="Arial Italic" panose="020B0604020202020204" charset="0"/>
+                <a:cs typeface="Arial Italic" panose="020B0604020202020204" charset="0"/>
+                <a:sym typeface="+mn-ea"/>
+              </a:rPr>
+              <a:t> clicks (%f seconds).\n", t,</a:t>
             </a:r>
             <a:endParaRPr lang="zh-CN" altLang="en-US" sz="2400" i="1">
               <a:solidFill>
@@ -29212,7 +29234,15 @@
                 <a:ea typeface="黑体" charset="0"/>
                 <a:cs typeface="Arial Regular" panose="020B0604020202020204" charset="0"/>
               </a:rPr>
-              <a:t>链接过程将多个目标文以及所需的库文件（</a:t>
+              <a:t>链接过程将多个目标</a:t>
+            </a:r>
+            <a:r>
+              <a:rPr lang="zh-CN" altLang="en-US" sz="2800">
+                <a:latin typeface="Arial Regular" panose="020B0604020202020204" charset="0"/>
+                <a:ea typeface="黑体" charset="0"/>
+                <a:cs typeface="Arial Regular" panose="020B0604020202020204" charset="0"/>
+              </a:rPr>
+              <a:t>文件以及所需的库文件（</a:t>
             </a:r>
             <a:r>
               <a:rPr lang="zh-CN" altLang="en-US" sz="2800">
@@ -30879,7 +30909,14 @@
                 <a:latin typeface="黑体" charset="0"/>
                 <a:ea typeface="黑体" charset="0"/>
               </a:rPr>
-              <a:t>静态库对程序的更新、部署和发布页会带来麻烦</a:t>
+              <a:t>静态库对程序的更新、部署和发布</a:t>
+            </a:r>
+            <a:r>
+              <a:rPr lang="zh-CN" altLang="en-US" sz="2800">
+                <a:latin typeface="黑体" charset="0"/>
+                <a:ea typeface="黑体" charset="0"/>
+              </a:rPr>
+              <a:t>也会带来麻烦</a:t>
             </a:r>
             <a:endParaRPr lang="zh-CN" altLang="en-US" sz="2800">
               <a:latin typeface="黑体" charset="0"/>
@@ -31002,14 +31039,14 @@
                 <a:latin typeface="黑体" charset="0"/>
                 <a:ea typeface="黑体" charset="0"/>
               </a:rPr>
-              <a:t>动态库在程序编译时并不会被</a:t>
+              <a:t>动态库在程序编译时并不会被链接到目标代码中，而是在程序运行</a:t>
             </a:r>
             <a:r>
               <a:rPr lang="zh-CN" altLang="en-US" sz="2800">
                 <a:latin typeface="黑体" charset="0"/>
                 <a:ea typeface="黑体" charset="0"/>
               </a:rPr>
-              <a:t>链接到目标代码中，而是在程序运行是才被载入</a:t>
+              <a:t>时才被载入</a:t>
             </a:r>
             <a:endParaRPr lang="zh-CN" altLang="en-US" sz="2800">
               <a:latin typeface="黑体" charset="0"/>
@@ -31030,7 +31067,14 @@
                 <a:latin typeface="黑体" charset="0"/>
                 <a:ea typeface="黑体" charset="0"/>
               </a:rPr>
-              <a:t>动态库在程序运行是才被载入，也解决了静态库对程序的更新、部署和发布页会带来麻烦</a:t>
+              <a:t>动态库在程序运行</a:t>
+            </a:r>
+            <a:r>
+              <a:rPr lang="zh-CN" altLang="en-US" sz="2800">
+                <a:latin typeface="黑体" charset="0"/>
+                <a:ea typeface="黑体" charset="0"/>
+              </a:rPr>
+              <a:t>时才被载入，也解决了静态库对程序的更新、部署和发布页会带来麻烦</a:t>
             </a:r>
             <a:endParaRPr lang="zh-CN" altLang="en-US" sz="2800">
               <a:latin typeface="黑体" charset="0"/>
